--- a/trunk/Report/Xulydulieutrunglap.pptx
+++ b/trunk/Report/Xulydulieutrunglap.pptx
@@ -289,7 +289,7 @@
             <a:fld id="{1D8BD707-D9CF-40AE-B4C6-C98DA3205C09}" type="datetimeFigureOut">
               <a:rPr lang="en-US" smtClean="0"/>
               <a:pPr/>
-              <a:t>10/8/2010</a:t>
+              <a:t>10/15/2010</a:t>
             </a:fld>
             <a:endParaRPr lang="en-US"/>
           </a:p>
@@ -456,7 +456,7 @@
             <a:fld id="{1D8BD707-D9CF-40AE-B4C6-C98DA3205C09}" type="datetimeFigureOut">
               <a:rPr lang="en-US" smtClean="0"/>
               <a:pPr/>
-              <a:t>10/8/2010</a:t>
+              <a:t>10/15/2010</a:t>
             </a:fld>
             <a:endParaRPr lang="en-US"/>
           </a:p>
@@ -633,7 +633,7 @@
             <a:fld id="{1D8BD707-D9CF-40AE-B4C6-C98DA3205C09}" type="datetimeFigureOut">
               <a:rPr lang="en-US" smtClean="0"/>
               <a:pPr/>
-              <a:t>10/8/2010</a:t>
+              <a:t>10/15/2010</a:t>
             </a:fld>
             <a:endParaRPr lang="en-US"/>
           </a:p>
@@ -800,7 +800,7 @@
             <a:fld id="{1D8BD707-D9CF-40AE-B4C6-C98DA3205C09}" type="datetimeFigureOut">
               <a:rPr lang="en-US" smtClean="0"/>
               <a:pPr/>
-              <a:t>10/8/2010</a:t>
+              <a:t>10/15/2010</a:t>
             </a:fld>
             <a:endParaRPr lang="en-US"/>
           </a:p>
@@ -1043,7 +1043,7 @@
             <a:fld id="{1D8BD707-D9CF-40AE-B4C6-C98DA3205C09}" type="datetimeFigureOut">
               <a:rPr lang="en-US" smtClean="0"/>
               <a:pPr/>
-              <a:t>10/8/2010</a:t>
+              <a:t>10/15/2010</a:t>
             </a:fld>
             <a:endParaRPr lang="en-US"/>
           </a:p>
@@ -1328,7 +1328,7 @@
             <a:fld id="{1D8BD707-D9CF-40AE-B4C6-C98DA3205C09}" type="datetimeFigureOut">
               <a:rPr lang="en-US" smtClean="0"/>
               <a:pPr/>
-              <a:t>10/8/2010</a:t>
+              <a:t>10/15/2010</a:t>
             </a:fld>
             <a:endParaRPr lang="en-US"/>
           </a:p>
@@ -1747,7 +1747,7 @@
             <a:fld id="{1D8BD707-D9CF-40AE-B4C6-C98DA3205C09}" type="datetimeFigureOut">
               <a:rPr lang="en-US" smtClean="0"/>
               <a:pPr/>
-              <a:t>10/8/2010</a:t>
+              <a:t>10/15/2010</a:t>
             </a:fld>
             <a:endParaRPr lang="en-US"/>
           </a:p>
@@ -1862,7 +1862,7 @@
             <a:fld id="{1D8BD707-D9CF-40AE-B4C6-C98DA3205C09}" type="datetimeFigureOut">
               <a:rPr lang="en-US" smtClean="0"/>
               <a:pPr/>
-              <a:t>10/8/2010</a:t>
+              <a:t>10/15/2010</a:t>
             </a:fld>
             <a:endParaRPr lang="en-US"/>
           </a:p>
@@ -1954,7 +1954,7 @@
             <a:fld id="{1D8BD707-D9CF-40AE-B4C6-C98DA3205C09}" type="datetimeFigureOut">
               <a:rPr lang="en-US" smtClean="0"/>
               <a:pPr/>
-              <a:t>10/8/2010</a:t>
+              <a:t>10/15/2010</a:t>
             </a:fld>
             <a:endParaRPr lang="en-US"/>
           </a:p>
@@ -2228,7 +2228,7 @@
             <a:fld id="{1D8BD707-D9CF-40AE-B4C6-C98DA3205C09}" type="datetimeFigureOut">
               <a:rPr lang="en-US" smtClean="0"/>
               <a:pPr/>
-              <a:t>10/8/2010</a:t>
+              <a:t>10/15/2010</a:t>
             </a:fld>
             <a:endParaRPr lang="en-US"/>
           </a:p>
@@ -2478,7 +2478,7 @@
             <a:fld id="{1D8BD707-D9CF-40AE-B4C6-C98DA3205C09}" type="datetimeFigureOut">
               <a:rPr lang="en-US" smtClean="0"/>
               <a:pPr/>
-              <a:t>10/8/2010</a:t>
+              <a:t>10/15/2010</a:t>
             </a:fld>
             <a:endParaRPr lang="en-US"/>
           </a:p>
@@ -2688,7 +2688,7 @@
             <a:fld id="{1D8BD707-D9CF-40AE-B4C6-C98DA3205C09}" type="datetimeFigureOut">
               <a:rPr lang="en-US" smtClean="0"/>
               <a:pPr/>
-              <a:t>10/8/2010</a:t>
+              <a:t>10/15/2010</a:t>
             </a:fld>
             <a:endParaRPr lang="en-US"/>
           </a:p>
@@ -3067,12 +3067,15 @@
         </p:nvSpPr>
         <p:spPr>
           <a:xfrm>
-            <a:off x="1219200" y="990600"/>
-            <a:ext cx="1143000" cy="1447800"/>
+            <a:off x="838200" y="914400"/>
+            <a:ext cx="1143000" cy="1676400"/>
           </a:xfrm>
           <a:prstGeom prst="flowChartDocument">
             <a:avLst/>
           </a:prstGeom>
+          <a:solidFill>
+            <a:schemeClr val="bg1"/>
+          </a:solidFill>
         </p:spPr>
         <p:style>
           <a:lnRef idx="2">
@@ -3096,7 +3099,7 @@
           <a:p>
             <a:pPr algn="ctr"/>
             <a:r>
-              <a:rPr lang="en-US" sz="1500" dirty="0" err="1" smtClean="0">
+              <a:rPr lang="en-US" sz="1500" b="1" dirty="0" err="1" smtClean="0">
                 <a:solidFill>
                   <a:schemeClr val="tx1"/>
                 </a:solidFill>
@@ -3106,7 +3109,7 @@
               <a:t>Bài</a:t>
             </a:r>
             <a:r>
-              <a:rPr lang="en-US" sz="1500" dirty="0" smtClean="0">
+              <a:rPr lang="en-US" sz="1500" b="1" dirty="0" smtClean="0">
                 <a:solidFill>
                   <a:schemeClr val="tx1"/>
                 </a:solidFill>
@@ -3116,7 +3119,7 @@
               <a:t> </a:t>
             </a:r>
             <a:r>
-              <a:rPr lang="en-US" sz="1500" dirty="0" err="1" smtClean="0">
+              <a:rPr lang="en-US" sz="1500" b="1" dirty="0" err="1" smtClean="0">
                 <a:solidFill>
                   <a:schemeClr val="tx1"/>
                 </a:solidFill>
@@ -3126,7 +3129,7 @@
               <a:t>báo</a:t>
             </a:r>
             <a:r>
-              <a:rPr lang="en-US" sz="1500" dirty="0" smtClean="0">
+              <a:rPr lang="en-US" sz="1500" b="1" dirty="0" smtClean="0">
                 <a:solidFill>
                   <a:schemeClr val="tx1"/>
                 </a:solidFill>
@@ -3136,7 +3139,7 @@
               <a:t> </a:t>
             </a:r>
             <a:r>
-              <a:rPr lang="en-US" sz="1500" dirty="0" err="1" smtClean="0">
+              <a:rPr lang="en-US" sz="1500" b="1" dirty="0" err="1" smtClean="0">
                 <a:solidFill>
                   <a:schemeClr val="tx1"/>
                 </a:solidFill>
@@ -3146,7 +3149,7 @@
               <a:t>đã</a:t>
             </a:r>
             <a:r>
-              <a:rPr lang="en-US" sz="1500" dirty="0" smtClean="0">
+              <a:rPr lang="en-US" sz="1500" b="1" dirty="0" smtClean="0">
                 <a:solidFill>
                   <a:schemeClr val="tx1"/>
                 </a:solidFill>
@@ -3156,7 +3159,7 @@
               <a:t>  </a:t>
             </a:r>
             <a:r>
-              <a:rPr lang="en-US" sz="1500" dirty="0" err="1" smtClean="0">
+              <a:rPr lang="en-US" sz="1500" b="1" dirty="0" err="1" smtClean="0">
                 <a:solidFill>
                   <a:schemeClr val="tx1"/>
                 </a:solidFill>
@@ -3166,7 +3169,7 @@
               <a:t>rút</a:t>
             </a:r>
             <a:r>
-              <a:rPr lang="en-US" sz="1500" dirty="0" smtClean="0">
+              <a:rPr lang="en-US" sz="1500" b="1" dirty="0" smtClean="0">
                 <a:solidFill>
                   <a:schemeClr val="tx1"/>
                 </a:solidFill>
@@ -3176,7 +3179,7 @@
               <a:t> </a:t>
             </a:r>
             <a:r>
-              <a:rPr lang="en-US" sz="1500" dirty="0" err="1" smtClean="0">
+              <a:rPr lang="en-US" sz="1500" b="1" dirty="0" err="1" smtClean="0">
                 <a:solidFill>
                   <a:schemeClr val="tx1"/>
                 </a:solidFill>
@@ -3186,7 +3189,7 @@
               <a:t>được</a:t>
             </a:r>
             <a:r>
-              <a:rPr lang="en-US" sz="1500" dirty="0" smtClean="0">
+              <a:rPr lang="en-US" sz="1500" b="1" dirty="0" smtClean="0">
                 <a:solidFill>
                   <a:schemeClr val="tx1"/>
                 </a:solidFill>
@@ -3196,7 +3199,7 @@
               <a:t> </a:t>
             </a:r>
             <a:r>
-              <a:rPr lang="en-US" sz="1500" dirty="0" err="1" smtClean="0">
+              <a:rPr lang="en-US" sz="1500" b="1" dirty="0" err="1" smtClean="0">
                 <a:solidFill>
                   <a:schemeClr val="tx1"/>
                 </a:solidFill>
@@ -3206,7 +3209,7 @@
               <a:t>thông</a:t>
             </a:r>
             <a:r>
-              <a:rPr lang="en-US" sz="1500" dirty="0" smtClean="0">
+              <a:rPr lang="en-US" sz="1500" b="1" dirty="0" smtClean="0">
                 <a:solidFill>
                   <a:schemeClr val="tx1"/>
                 </a:solidFill>
@@ -3215,7 +3218,7 @@
               </a:rPr>
               <a:t> tin</a:t>
             </a:r>
-            <a:endParaRPr lang="en-US" sz="1500" dirty="0">
+            <a:endParaRPr lang="en-US" sz="1500" b="1" dirty="0">
               <a:solidFill>
                 <a:schemeClr val="tx1"/>
               </a:solidFill>
@@ -3233,7 +3236,7 @@
         </p:nvCxnSpPr>
         <p:spPr>
           <a:xfrm>
-            <a:off x="2362200" y="1447800"/>
+            <a:off x="2057400" y="1066800"/>
             <a:ext cx="609600" cy="1588"/>
           </a:xfrm>
           <a:prstGeom prst="straightConnector1">
@@ -3260,18 +3263,194 @@
       </p:cxnSp>
       <p:sp>
         <p:nvSpPr>
-          <p:cNvPr id="7" name="Rectangle 6"/>
-          <p:cNvSpPr/>
+          <p:cNvPr id="8" name="TextBox 7"/>
+          <p:cNvSpPr txBox="1"/>
           <p:nvPr/>
         </p:nvSpPr>
         <p:spPr>
           <a:xfrm>
-            <a:off x="3048000" y="1219200"/>
-            <a:ext cx="1219200" cy="457200"/>
+            <a:off x="2590800" y="152400"/>
+            <a:ext cx="1981200" cy="692497"/>
           </a:xfrm>
           <a:prstGeom prst="rect">
             <a:avLst/>
           </a:prstGeom>
+          <a:noFill/>
+        </p:spPr>
+        <p:txBody>
+          <a:bodyPr wrap="square" rtlCol="0">
+            <a:spAutoFit/>
+          </a:bodyPr>
+          <a:lstStyle/>
+          <a:p>
+            <a:r>
+              <a:rPr lang="en-US" sz="1300" b="1" dirty="0" err="1" smtClean="0">
+                <a:latin typeface="Times New Roman" pitchFamily="18" charset="0"/>
+                <a:cs typeface="Times New Roman" pitchFamily="18" charset="0"/>
+              </a:rPr>
+              <a:t>Loại</a:t>
+            </a:r>
+            <a:r>
+              <a:rPr lang="en-US" sz="1300" b="1" dirty="0" smtClean="0">
+                <a:latin typeface="Times New Roman" pitchFamily="18" charset="0"/>
+                <a:cs typeface="Times New Roman" pitchFamily="18" charset="0"/>
+              </a:rPr>
+              <a:t> </a:t>
+            </a:r>
+            <a:r>
+              <a:rPr lang="en-US" sz="1300" b="1" dirty="0" err="1" smtClean="0">
+                <a:latin typeface="Times New Roman" pitchFamily="18" charset="0"/>
+                <a:cs typeface="Times New Roman" pitchFamily="18" charset="0"/>
+              </a:rPr>
+              <a:t>bỏ</a:t>
+            </a:r>
+            <a:r>
+              <a:rPr lang="en-US" sz="1300" b="1" dirty="0" smtClean="0">
+                <a:latin typeface="Times New Roman" pitchFamily="18" charset="0"/>
+                <a:cs typeface="Times New Roman" pitchFamily="18" charset="0"/>
+              </a:rPr>
+              <a:t> </a:t>
+            </a:r>
+            <a:r>
+              <a:rPr lang="en-US" sz="1300" b="1" dirty="0" err="1" smtClean="0">
+                <a:latin typeface="Times New Roman" pitchFamily="18" charset="0"/>
+                <a:cs typeface="Times New Roman" pitchFamily="18" charset="0"/>
+              </a:rPr>
+              <a:t>khoảng</a:t>
+            </a:r>
+            <a:r>
+              <a:rPr lang="en-US" sz="1300" b="1" dirty="0" smtClean="0">
+                <a:latin typeface="Times New Roman" pitchFamily="18" charset="0"/>
+                <a:cs typeface="Times New Roman" pitchFamily="18" charset="0"/>
+              </a:rPr>
+              <a:t> </a:t>
+            </a:r>
+            <a:r>
+              <a:rPr lang="en-US" sz="1300" b="1" dirty="0" err="1" smtClean="0">
+                <a:latin typeface="Times New Roman" pitchFamily="18" charset="0"/>
+                <a:cs typeface="Times New Roman" pitchFamily="18" charset="0"/>
+              </a:rPr>
+              <a:t>trắng</a:t>
+            </a:r>
+            <a:r>
+              <a:rPr lang="en-US" sz="1300" b="1" dirty="0" smtClean="0">
+                <a:latin typeface="Times New Roman" pitchFamily="18" charset="0"/>
+                <a:cs typeface="Times New Roman" pitchFamily="18" charset="0"/>
+              </a:rPr>
+              <a:t> </a:t>
+            </a:r>
+          </a:p>
+          <a:p>
+            <a:r>
+              <a:rPr lang="en-US" sz="1300" b="1" dirty="0" err="1" smtClean="0">
+                <a:latin typeface="Times New Roman" pitchFamily="18" charset="0"/>
+                <a:cs typeface="Times New Roman" pitchFamily="18" charset="0"/>
+              </a:rPr>
+              <a:t>và</a:t>
+            </a:r>
+            <a:r>
+              <a:rPr lang="en-US" sz="1300" b="1" dirty="0" smtClean="0">
+                <a:latin typeface="Times New Roman" pitchFamily="18" charset="0"/>
+                <a:cs typeface="Times New Roman" pitchFamily="18" charset="0"/>
+              </a:rPr>
+              <a:t> </a:t>
+            </a:r>
+            <a:r>
+              <a:rPr lang="en-US" sz="1300" b="1" dirty="0" err="1" smtClean="0">
+                <a:latin typeface="Times New Roman" pitchFamily="18" charset="0"/>
+                <a:cs typeface="Times New Roman" pitchFamily="18" charset="0"/>
+              </a:rPr>
+              <a:t>các</a:t>
+            </a:r>
+            <a:r>
+              <a:rPr lang="en-US" sz="1300" b="1" dirty="0" smtClean="0">
+                <a:latin typeface="Times New Roman" pitchFamily="18" charset="0"/>
+                <a:cs typeface="Times New Roman" pitchFamily="18" charset="0"/>
+              </a:rPr>
+              <a:t> </a:t>
+            </a:r>
+            <a:r>
+              <a:rPr lang="en-US" sz="1300" b="1" dirty="0" err="1" smtClean="0">
+                <a:latin typeface="Times New Roman" pitchFamily="18" charset="0"/>
+                <a:cs typeface="Times New Roman" pitchFamily="18" charset="0"/>
+              </a:rPr>
+              <a:t>ký</a:t>
+            </a:r>
+            <a:r>
+              <a:rPr lang="en-US" sz="1300" b="1" dirty="0" smtClean="0">
+                <a:latin typeface="Times New Roman" pitchFamily="18" charset="0"/>
+                <a:cs typeface="Times New Roman" pitchFamily="18" charset="0"/>
+              </a:rPr>
+              <a:t> </a:t>
+            </a:r>
+            <a:r>
+              <a:rPr lang="en-US" sz="1300" b="1" dirty="0" err="1" smtClean="0">
+                <a:latin typeface="Times New Roman" pitchFamily="18" charset="0"/>
+                <a:cs typeface="Times New Roman" pitchFamily="18" charset="0"/>
+              </a:rPr>
+              <a:t>tự</a:t>
+            </a:r>
+            <a:r>
+              <a:rPr lang="en-US" sz="1300" b="1" dirty="0" smtClean="0">
+                <a:latin typeface="Times New Roman" pitchFamily="18" charset="0"/>
+                <a:cs typeface="Times New Roman" pitchFamily="18" charset="0"/>
+              </a:rPr>
+              <a:t> </a:t>
+            </a:r>
+            <a:r>
+              <a:rPr lang="en-US" sz="1300" b="1" dirty="0" err="1" smtClean="0">
+                <a:latin typeface="Times New Roman" pitchFamily="18" charset="0"/>
+                <a:cs typeface="Times New Roman" pitchFamily="18" charset="0"/>
+              </a:rPr>
+              <a:t>đặc</a:t>
+            </a:r>
+            <a:r>
+              <a:rPr lang="en-US" sz="1300" b="1" dirty="0" smtClean="0">
+                <a:latin typeface="Times New Roman" pitchFamily="18" charset="0"/>
+                <a:cs typeface="Times New Roman" pitchFamily="18" charset="0"/>
+              </a:rPr>
+              <a:t> </a:t>
+            </a:r>
+            <a:r>
+              <a:rPr lang="en-US" sz="1300" b="1" dirty="0" err="1" smtClean="0">
+                <a:latin typeface="Times New Roman" pitchFamily="18" charset="0"/>
+                <a:cs typeface="Times New Roman" pitchFamily="18" charset="0"/>
+              </a:rPr>
+              <a:t>biệt</a:t>
+            </a:r>
+            <a:r>
+              <a:rPr lang="en-US" sz="1300" b="1" dirty="0" smtClean="0">
+                <a:latin typeface="Times New Roman" pitchFamily="18" charset="0"/>
+                <a:cs typeface="Times New Roman" pitchFamily="18" charset="0"/>
+              </a:rPr>
+              <a:t> </a:t>
+            </a:r>
+          </a:p>
+          <a:p>
+            <a:endParaRPr lang="en-US" sz="1300" b="1" dirty="0">
+              <a:latin typeface="Times New Roman" pitchFamily="18" charset="0"/>
+              <a:cs typeface="Times New Roman" pitchFamily="18" charset="0"/>
+            </a:endParaRPr>
+          </a:p>
+        </p:txBody>
+      </p:sp>
+      <p:sp>
+        <p:nvSpPr>
+          <p:cNvPr id="9" name="Flowchart: Magnetic Disk 8"/>
+          <p:cNvSpPr/>
+          <p:nvPr/>
+        </p:nvSpPr>
+        <p:spPr>
+          <a:xfrm>
+            <a:off x="1066800" y="3124200"/>
+            <a:ext cx="1295400" cy="2209800"/>
+          </a:xfrm>
+          <a:prstGeom prst="flowChartMagneticDisk">
+            <a:avLst/>
+          </a:prstGeom>
+          <a:solidFill>
+            <a:schemeClr val="bg1"/>
+          </a:solidFill>
         </p:spPr>
         <p:style>
           <a:lnRef idx="2">
@@ -3295,269 +3474,36 @@
           <a:p>
             <a:pPr algn="ctr"/>
             <a:r>
-              <a:rPr lang="en-US" dirty="0" smtClean="0">
+              <a:rPr lang="en-US" sz="1500" b="1" dirty="0" err="1" smtClean="0">
                 <a:solidFill>
                   <a:schemeClr val="tx1"/>
                 </a:solidFill>
-              </a:rPr>
-              <a:t>Title</a:t>
-            </a:r>
-            <a:endParaRPr lang="en-US" dirty="0">
-              <a:solidFill>
-                <a:schemeClr val="tx1"/>
-              </a:solidFill>
-            </a:endParaRPr>
-          </a:p>
-        </p:txBody>
-      </p:sp>
-      <p:sp>
-        <p:nvSpPr>
-          <p:cNvPr id="8" name="TextBox 7"/>
-          <p:cNvSpPr txBox="1"/>
-          <p:nvPr/>
-        </p:nvSpPr>
-        <p:spPr>
-          <a:xfrm>
-            <a:off x="2895600" y="685800"/>
-            <a:ext cx="1657826" cy="692497"/>
-          </a:xfrm>
-          <a:prstGeom prst="rect">
-            <a:avLst/>
-          </a:prstGeom>
-          <a:noFill/>
-        </p:spPr>
-        <p:txBody>
-          <a:bodyPr wrap="none" rtlCol="0">
-            <a:spAutoFit/>
-          </a:bodyPr>
-          <a:lstStyle/>
-          <a:p>
-            <a:r>
-              <a:rPr lang="en-US" sz="1300" dirty="0" err="1" smtClean="0">
-                <a:latin typeface="Times New Roman" pitchFamily="18" charset="0"/>
-                <a:cs typeface="Times New Roman" pitchFamily="18" charset="0"/>
-              </a:rPr>
-              <a:t>Loại</a:t>
-            </a:r>
-            <a:r>
-              <a:rPr lang="en-US" sz="1300" dirty="0" smtClean="0">
+                <a:latin typeface="Times New Roman" pitchFamily="18" charset="0"/>
+                <a:cs typeface="Times New Roman" pitchFamily="18" charset="0"/>
+              </a:rPr>
+              <a:t>Dữ</a:t>
+            </a:r>
+            <a:r>
+              <a:rPr lang="en-US" sz="1500" b="1" dirty="0" smtClean="0">
+                <a:solidFill>
+                  <a:schemeClr val="tx1"/>
+                </a:solidFill>
                 <a:latin typeface="Times New Roman" pitchFamily="18" charset="0"/>
                 <a:cs typeface="Times New Roman" pitchFamily="18" charset="0"/>
               </a:rPr>
               <a:t> </a:t>
             </a:r>
             <a:r>
-              <a:rPr lang="en-US" sz="1300" dirty="0" err="1" smtClean="0">
-                <a:latin typeface="Times New Roman" pitchFamily="18" charset="0"/>
-                <a:cs typeface="Times New Roman" pitchFamily="18" charset="0"/>
-              </a:rPr>
-              <a:t>bỏ</a:t>
-            </a:r>
-            <a:r>
-              <a:rPr lang="en-US" sz="1300" dirty="0" smtClean="0">
-                <a:latin typeface="Times New Roman" pitchFamily="18" charset="0"/>
-                <a:cs typeface="Times New Roman" pitchFamily="18" charset="0"/>
-              </a:rPr>
-              <a:t> </a:t>
-            </a:r>
-            <a:r>
-              <a:rPr lang="en-US" sz="1300" dirty="0" err="1" smtClean="0">
-                <a:latin typeface="Times New Roman" pitchFamily="18" charset="0"/>
-                <a:cs typeface="Times New Roman" pitchFamily="18" charset="0"/>
-              </a:rPr>
-              <a:t>khoảng</a:t>
-            </a:r>
-            <a:r>
-              <a:rPr lang="en-US" sz="1300" dirty="0" smtClean="0">
-                <a:latin typeface="Times New Roman" pitchFamily="18" charset="0"/>
-                <a:cs typeface="Times New Roman" pitchFamily="18" charset="0"/>
-              </a:rPr>
-              <a:t> </a:t>
-            </a:r>
-            <a:r>
-              <a:rPr lang="en-US" sz="1300" dirty="0" err="1" smtClean="0">
-                <a:latin typeface="Times New Roman" pitchFamily="18" charset="0"/>
-                <a:cs typeface="Times New Roman" pitchFamily="18" charset="0"/>
-              </a:rPr>
-              <a:t>trắng</a:t>
-            </a:r>
-            <a:r>
-              <a:rPr lang="en-US" sz="1300" dirty="0" smtClean="0">
-                <a:latin typeface="Times New Roman" pitchFamily="18" charset="0"/>
-                <a:cs typeface="Times New Roman" pitchFamily="18" charset="0"/>
-              </a:rPr>
-              <a:t> </a:t>
-            </a:r>
-            <a:endParaRPr lang="en-US" sz="1300" dirty="0" smtClean="0">
-              <a:latin typeface="Times New Roman" pitchFamily="18" charset="0"/>
-              <a:cs typeface="Times New Roman" pitchFamily="18" charset="0"/>
-            </a:endParaRPr>
-          </a:p>
-          <a:p>
-            <a:r>
-              <a:rPr lang="en-US" sz="1300" dirty="0" err="1" smtClean="0">
-                <a:latin typeface="Times New Roman" pitchFamily="18" charset="0"/>
-                <a:cs typeface="Times New Roman" pitchFamily="18" charset="0"/>
-              </a:rPr>
-              <a:t>và</a:t>
-            </a:r>
-            <a:r>
-              <a:rPr lang="en-US" sz="1300" dirty="0" smtClean="0">
-                <a:latin typeface="Times New Roman" pitchFamily="18" charset="0"/>
-                <a:cs typeface="Times New Roman" pitchFamily="18" charset="0"/>
-              </a:rPr>
-              <a:t> </a:t>
-            </a:r>
-            <a:r>
-              <a:rPr lang="en-US" sz="1300" dirty="0" err="1" smtClean="0">
-                <a:latin typeface="Times New Roman" pitchFamily="18" charset="0"/>
-                <a:cs typeface="Times New Roman" pitchFamily="18" charset="0"/>
-              </a:rPr>
-              <a:t>các</a:t>
-            </a:r>
-            <a:r>
-              <a:rPr lang="en-US" sz="1300" dirty="0" smtClean="0">
-                <a:latin typeface="Times New Roman" pitchFamily="18" charset="0"/>
-                <a:cs typeface="Times New Roman" pitchFamily="18" charset="0"/>
-              </a:rPr>
-              <a:t> </a:t>
-            </a:r>
-            <a:r>
-              <a:rPr lang="en-US" sz="1300" dirty="0" err="1" smtClean="0">
-                <a:latin typeface="Times New Roman" pitchFamily="18" charset="0"/>
-                <a:cs typeface="Times New Roman" pitchFamily="18" charset="0"/>
-              </a:rPr>
-              <a:t>ký</a:t>
-            </a:r>
-            <a:r>
-              <a:rPr lang="en-US" sz="1300" dirty="0" smtClean="0">
-                <a:latin typeface="Times New Roman" pitchFamily="18" charset="0"/>
-                <a:cs typeface="Times New Roman" pitchFamily="18" charset="0"/>
-              </a:rPr>
-              <a:t> </a:t>
-            </a:r>
-            <a:r>
-              <a:rPr lang="en-US" sz="1300" dirty="0" err="1" smtClean="0">
-                <a:latin typeface="Times New Roman" pitchFamily="18" charset="0"/>
-                <a:cs typeface="Times New Roman" pitchFamily="18" charset="0"/>
-              </a:rPr>
-              <a:t>tự</a:t>
-            </a:r>
-            <a:r>
-              <a:rPr lang="en-US" sz="1300" dirty="0" smtClean="0">
-                <a:latin typeface="Times New Roman" pitchFamily="18" charset="0"/>
-                <a:cs typeface="Times New Roman" pitchFamily="18" charset="0"/>
-              </a:rPr>
-              <a:t> </a:t>
-            </a:r>
-            <a:r>
-              <a:rPr lang="en-US" sz="1300" dirty="0" err="1" smtClean="0">
-                <a:latin typeface="Times New Roman" pitchFamily="18" charset="0"/>
-                <a:cs typeface="Times New Roman" pitchFamily="18" charset="0"/>
-              </a:rPr>
-              <a:t>đặc</a:t>
-            </a:r>
-            <a:r>
-              <a:rPr lang="en-US" sz="1300" dirty="0" smtClean="0">
-                <a:latin typeface="Times New Roman" pitchFamily="18" charset="0"/>
-                <a:cs typeface="Times New Roman" pitchFamily="18" charset="0"/>
-              </a:rPr>
-              <a:t> </a:t>
-            </a:r>
-            <a:r>
-              <a:rPr lang="en-US" sz="1300" dirty="0" err="1" smtClean="0">
-                <a:latin typeface="Times New Roman" pitchFamily="18" charset="0"/>
-                <a:cs typeface="Times New Roman" pitchFamily="18" charset="0"/>
-              </a:rPr>
-              <a:t>biệt</a:t>
-            </a:r>
-            <a:r>
-              <a:rPr lang="en-US" sz="1300" dirty="0" smtClean="0">
-                <a:latin typeface="Times New Roman" pitchFamily="18" charset="0"/>
-                <a:cs typeface="Times New Roman" pitchFamily="18" charset="0"/>
-              </a:rPr>
-              <a:t> </a:t>
-            </a:r>
-            <a:endParaRPr lang="en-US" sz="1300" dirty="0" smtClean="0">
-              <a:latin typeface="Times New Roman" pitchFamily="18" charset="0"/>
-              <a:cs typeface="Times New Roman" pitchFamily="18" charset="0"/>
-            </a:endParaRPr>
-          </a:p>
-          <a:p>
-            <a:endParaRPr lang="en-US" sz="1300" dirty="0">
-              <a:latin typeface="Times New Roman" pitchFamily="18" charset="0"/>
-              <a:cs typeface="Times New Roman" pitchFamily="18" charset="0"/>
-            </a:endParaRPr>
-          </a:p>
-        </p:txBody>
-      </p:sp>
-      <p:sp>
-        <p:nvSpPr>
-          <p:cNvPr id="9" name="Flowchart: Magnetic Disk 8"/>
-          <p:cNvSpPr/>
-          <p:nvPr/>
-        </p:nvSpPr>
-        <p:spPr>
-          <a:xfrm>
-            <a:off x="1219200" y="3048000"/>
-            <a:ext cx="1066800" cy="1371600"/>
-          </a:xfrm>
-          <a:prstGeom prst="flowChartMagneticDisk">
-            <a:avLst/>
-          </a:prstGeom>
-        </p:spPr>
-        <p:style>
-          <a:lnRef idx="2">
-            <a:schemeClr val="accent1">
-              <a:shade val="50000"/>
-            </a:schemeClr>
-          </a:lnRef>
-          <a:fillRef idx="1">
-            <a:schemeClr val="accent1"/>
-          </a:fillRef>
-          <a:effectRef idx="0">
-            <a:schemeClr val="accent1"/>
-          </a:effectRef>
-          <a:fontRef idx="minor">
-            <a:schemeClr val="lt1"/>
-          </a:fontRef>
-        </p:style>
-        <p:txBody>
-          <a:bodyPr rtlCol="0" anchor="ctr"/>
-          <a:lstStyle/>
-          <a:p>
-            <a:pPr algn="ctr"/>
-            <a:r>
-              <a:rPr lang="en-US" sz="1500" dirty="0" err="1" smtClean="0">
+              <a:rPr lang="en-US" sz="1500" b="1" dirty="0" err="1" smtClean="0">
                 <a:solidFill>
                   <a:schemeClr val="tx1"/>
                 </a:solidFill>
                 <a:latin typeface="Times New Roman" pitchFamily="18" charset="0"/>
                 <a:cs typeface="Times New Roman" pitchFamily="18" charset="0"/>
               </a:rPr>
-              <a:t>Dữ</a:t>
-            </a:r>
-            <a:r>
-              <a:rPr lang="en-US" sz="1500" dirty="0" smtClean="0">
-                <a:solidFill>
-                  <a:schemeClr val="tx1"/>
-                </a:solidFill>
-                <a:latin typeface="Times New Roman" pitchFamily="18" charset="0"/>
-                <a:cs typeface="Times New Roman" pitchFamily="18" charset="0"/>
-              </a:rPr>
-              <a:t> </a:t>
-            </a:r>
-            <a:r>
-              <a:rPr lang="en-US" sz="1500" dirty="0" err="1" smtClean="0">
-                <a:solidFill>
-                  <a:schemeClr val="tx1"/>
-                </a:solidFill>
-                <a:latin typeface="Times New Roman" pitchFamily="18" charset="0"/>
-                <a:cs typeface="Times New Roman" pitchFamily="18" charset="0"/>
-              </a:rPr>
               <a:t>liệu</a:t>
             </a:r>
-            <a:endParaRPr lang="en-US" sz="1500" dirty="0" smtClean="0">
+            <a:endParaRPr lang="en-US" sz="1500" b="1" dirty="0" smtClean="0">
               <a:solidFill>
                 <a:schemeClr val="tx1"/>
               </a:solidFill>
@@ -3568,7 +3514,7 @@
           <a:p>
             <a:pPr algn="ctr"/>
             <a:r>
-              <a:rPr lang="en-US" sz="1500" dirty="0" smtClean="0">
+              <a:rPr lang="en-US" sz="1500" b="1" dirty="0" smtClean="0">
                 <a:solidFill>
                   <a:schemeClr val="tx1"/>
                 </a:solidFill>
@@ -3577,7 +3523,7 @@
               </a:rPr>
               <a:t>DBLP</a:t>
             </a:r>
-            <a:endParaRPr lang="en-US" sz="1500" dirty="0">
+            <a:endParaRPr lang="en-US" sz="1500" b="1" dirty="0">
               <a:solidFill>
                 <a:schemeClr val="tx1"/>
               </a:solidFill>
@@ -3595,8 +3541,8 @@
         </p:nvCxnSpPr>
         <p:spPr>
           <a:xfrm>
-            <a:off x="2286000" y="3657600"/>
-            <a:ext cx="609600" cy="1588"/>
+            <a:off x="2438400" y="3657600"/>
+            <a:ext cx="457200" cy="1588"/>
           </a:xfrm>
           <a:prstGeom prst="straightConnector1">
             <a:avLst/>
@@ -3629,11 +3575,14 @@
         <p:spPr>
           <a:xfrm>
             <a:off x="2895600" y="3429000"/>
-            <a:ext cx="1371600" cy="609600"/>
+            <a:ext cx="1371600" cy="457200"/>
           </a:xfrm>
           <a:prstGeom prst="rect">
             <a:avLst/>
           </a:prstGeom>
+          <a:solidFill>
+            <a:schemeClr val="bg1"/>
+          </a:solidFill>
         </p:spPr>
         <p:style>
           <a:lnRef idx="2">
@@ -3657,14 +3606,14 @@
           <a:p>
             <a:pPr algn="ctr"/>
             <a:r>
-              <a:rPr lang="en-US" sz="1400" dirty="0" err="1" smtClean="0">
+              <a:rPr lang="en-US" sz="1400" b="1" dirty="0" err="1" smtClean="0">
                 <a:solidFill>
                   <a:schemeClr val="tx1"/>
                 </a:solidFill>
               </a:rPr>
               <a:t>titleSingnature</a:t>
             </a:r>
-            <a:endParaRPr lang="en-US" sz="1400" dirty="0">
+            <a:endParaRPr lang="en-US" sz="1400" b="1" dirty="0">
               <a:solidFill>
                 <a:schemeClr val="tx1"/>
               </a:solidFill>
@@ -3680,8 +3629,8 @@
         </p:nvSpPr>
         <p:spPr>
           <a:xfrm>
-            <a:off x="1371600" y="609600"/>
-            <a:ext cx="697627" cy="292388"/>
+            <a:off x="990600" y="533400"/>
+            <a:ext cx="726481" cy="292388"/>
           </a:xfrm>
           <a:prstGeom prst="rect">
             <a:avLst/>
@@ -3695,27 +3644,27 @@
           <a:lstStyle/>
           <a:p>
             <a:r>
-              <a:rPr lang="en-US" sz="1300" dirty="0" err="1" smtClean="0">
+              <a:rPr lang="en-US" sz="1300" b="1" dirty="0" err="1" smtClean="0">
                 <a:latin typeface="Times New Roman" pitchFamily="18" charset="0"/>
                 <a:cs typeface="Times New Roman" pitchFamily="18" charset="0"/>
               </a:rPr>
               <a:t>Bài</a:t>
             </a:r>
             <a:r>
-              <a:rPr lang="en-US" sz="1300" dirty="0" smtClean="0">
+              <a:rPr lang="en-US" sz="1300" b="1" dirty="0" smtClean="0">
                 <a:latin typeface="Times New Roman" pitchFamily="18" charset="0"/>
                 <a:cs typeface="Times New Roman" pitchFamily="18" charset="0"/>
               </a:rPr>
               <a:t> </a:t>
             </a:r>
             <a:r>
-              <a:rPr lang="en-US" sz="1300" dirty="0" err="1" smtClean="0">
+              <a:rPr lang="en-US" sz="1300" b="1" dirty="0" err="1" smtClean="0">
                 <a:latin typeface="Times New Roman" pitchFamily="18" charset="0"/>
                 <a:cs typeface="Times New Roman" pitchFamily="18" charset="0"/>
               </a:rPr>
               <a:t>báo</a:t>
             </a:r>
-            <a:endParaRPr lang="en-US" sz="1300" dirty="0">
+            <a:endParaRPr lang="en-US" sz="1300" b="1" dirty="0">
               <a:latin typeface="Times New Roman" pitchFamily="18" charset="0"/>
               <a:cs typeface="Times New Roman" pitchFamily="18" charset="0"/>
             </a:endParaRPr>
@@ -3736,6 +3685,9 @@
           <a:prstGeom prst="rect">
             <a:avLst/>
           </a:prstGeom>
+          <a:solidFill>
+            <a:schemeClr val="bg1"/>
+          </a:solidFill>
         </p:spPr>
         <p:style>
           <a:lnRef idx="2">
@@ -3759,7 +3711,7 @@
           <a:p>
             <a:pPr algn="ctr"/>
             <a:r>
-              <a:rPr lang="en-US" sz="1500" dirty="0" smtClean="0">
+              <a:rPr lang="en-US" sz="1500" b="1" dirty="0" smtClean="0">
                 <a:solidFill>
                   <a:schemeClr val="tx1"/>
                 </a:solidFill>
@@ -3769,7 +3721,7 @@
               <a:t>So </a:t>
             </a:r>
             <a:r>
-              <a:rPr lang="en-US" sz="1500" dirty="0" err="1" smtClean="0">
+              <a:rPr lang="en-US" sz="1500" b="1" dirty="0" err="1" smtClean="0">
                 <a:solidFill>
                   <a:schemeClr val="tx1"/>
                 </a:solidFill>
@@ -3778,7 +3730,7 @@
               </a:rPr>
               <a:t>sánh</a:t>
             </a:r>
-            <a:endParaRPr lang="en-US" sz="1500" dirty="0" smtClean="0">
+            <a:endParaRPr lang="en-US" sz="1500" b="1" dirty="0" smtClean="0">
               <a:solidFill>
                 <a:schemeClr val="tx1"/>
               </a:solidFill>
@@ -3789,7 +3741,7 @@
           <a:p>
             <a:pPr algn="ctr"/>
             <a:r>
-              <a:rPr lang="en-US" sz="1500" dirty="0" err="1" smtClean="0">
+              <a:rPr lang="en-US" sz="1500" b="1" dirty="0" err="1" smtClean="0">
                 <a:solidFill>
                   <a:schemeClr val="tx1"/>
                 </a:solidFill>
@@ -3799,7 +3751,7 @@
               <a:t>Xử</a:t>
             </a:r>
             <a:r>
-              <a:rPr lang="en-US" sz="1500" dirty="0" smtClean="0">
+              <a:rPr lang="en-US" sz="1500" b="1" dirty="0" smtClean="0">
                 <a:solidFill>
                   <a:schemeClr val="tx1"/>
                 </a:solidFill>
@@ -3809,7 +3761,7 @@
               <a:t> </a:t>
             </a:r>
             <a:r>
-              <a:rPr lang="en-US" sz="1500" dirty="0" err="1" smtClean="0">
+              <a:rPr lang="en-US" sz="1500" b="1" dirty="0" err="1" smtClean="0">
                 <a:solidFill>
                   <a:schemeClr val="tx1"/>
                 </a:solidFill>
@@ -3819,7 +3771,7 @@
               <a:t>lý</a:t>
             </a:r>
             <a:r>
-              <a:rPr lang="en-US" sz="1500" dirty="0" smtClean="0">
+              <a:rPr lang="en-US" sz="1500" b="1" dirty="0" smtClean="0">
                 <a:solidFill>
                   <a:schemeClr val="tx1"/>
                 </a:solidFill>
@@ -3829,7 +3781,7 @@
               <a:t> </a:t>
             </a:r>
             <a:r>
-              <a:rPr lang="en-US" sz="1500" dirty="0" err="1" smtClean="0">
+              <a:rPr lang="en-US" sz="1500" b="1" dirty="0" err="1" smtClean="0">
                 <a:solidFill>
                   <a:schemeClr val="tx1"/>
                 </a:solidFill>
@@ -3839,7 +3791,7 @@
               <a:t>trùng</a:t>
             </a:r>
             <a:r>
-              <a:rPr lang="en-US" sz="1500" dirty="0" smtClean="0">
+              <a:rPr lang="en-US" sz="1500" b="1" dirty="0" smtClean="0">
                 <a:solidFill>
                   <a:schemeClr val="tx1"/>
                 </a:solidFill>
@@ -3849,7 +3801,7 @@
               <a:t> </a:t>
             </a:r>
             <a:r>
-              <a:rPr lang="en-US" sz="1500" dirty="0" err="1" smtClean="0">
+              <a:rPr lang="en-US" sz="1500" b="1" dirty="0" err="1" smtClean="0">
                 <a:solidFill>
                   <a:schemeClr val="tx1"/>
                 </a:solidFill>
@@ -3858,7 +3810,7 @@
               </a:rPr>
               <a:t>lặp</a:t>
             </a:r>
-            <a:endParaRPr lang="en-US" sz="1500" dirty="0">
+            <a:endParaRPr lang="en-US" sz="1500" b="1" dirty="0">
               <a:solidFill>
                 <a:schemeClr val="tx1"/>
               </a:solidFill>
@@ -3872,14 +3824,14 @@
         <p:nvCxnSpPr>
           <p:cNvPr id="19" name="Elbow Connector 18"/>
           <p:cNvCxnSpPr>
-            <a:stCxn id="7" idx="3"/>
+            <a:stCxn id="56" idx="3"/>
           </p:cNvCxnSpPr>
           <p:nvPr/>
         </p:nvCxnSpPr>
         <p:spPr>
           <a:xfrm>
-            <a:off x="4267200" y="1447800"/>
-            <a:ext cx="1066800" cy="762000"/>
+            <a:off x="4114800" y="2133600"/>
+            <a:ext cx="1219200" cy="228600"/>
           </a:xfrm>
           <a:prstGeom prst="bentConnector3">
             <a:avLst>
@@ -3915,8 +3867,8 @@
         </p:nvCxnSpPr>
         <p:spPr>
           <a:xfrm flipV="1">
-            <a:off x="4267200" y="2895600"/>
-            <a:ext cx="990600" cy="838200"/>
+            <a:off x="4267200" y="2743200"/>
+            <a:ext cx="1066800" cy="914400"/>
           </a:xfrm>
           <a:prstGeom prst="bentConnector3">
             <a:avLst>
@@ -3950,12 +3902,15 @@
         </p:nvSpPr>
         <p:spPr>
           <a:xfrm>
-            <a:off x="7620000" y="1905000"/>
-            <a:ext cx="1066800" cy="1371600"/>
+            <a:off x="7620000" y="1828800"/>
+            <a:ext cx="1066800" cy="1447800"/>
           </a:xfrm>
           <a:prstGeom prst="flowChartMagneticDisk">
             <a:avLst/>
           </a:prstGeom>
+          <a:solidFill>
+            <a:schemeClr val="bg1"/>
+          </a:solidFill>
         </p:spPr>
         <p:style>
           <a:lnRef idx="2">
@@ -3979,7 +3934,7 @@
           <a:p>
             <a:pPr algn="ctr"/>
             <a:r>
-              <a:rPr lang="en-US" sz="1500" dirty="0" err="1" smtClean="0">
+              <a:rPr lang="en-US" sz="1500" b="1" dirty="0" err="1" smtClean="0">
                 <a:solidFill>
                   <a:schemeClr val="tx1"/>
                 </a:solidFill>
@@ -3989,7 +3944,7 @@
               <a:t>Dữ</a:t>
             </a:r>
             <a:r>
-              <a:rPr lang="en-US" sz="1500" dirty="0" smtClean="0">
+              <a:rPr lang="en-US" sz="1500" b="1" dirty="0" smtClean="0">
                 <a:solidFill>
                   <a:schemeClr val="tx1"/>
                 </a:solidFill>
@@ -3999,7 +3954,7 @@
               <a:t> </a:t>
             </a:r>
             <a:r>
-              <a:rPr lang="en-US" sz="1500" dirty="0" err="1" smtClean="0">
+              <a:rPr lang="en-US" sz="1500" b="1" dirty="0" err="1" smtClean="0">
                 <a:solidFill>
                   <a:schemeClr val="tx1"/>
                 </a:solidFill>
@@ -4008,7 +3963,7 @@
               </a:rPr>
               <a:t>liệu</a:t>
             </a:r>
-            <a:endParaRPr lang="en-US" sz="1500" dirty="0" smtClean="0">
+            <a:endParaRPr lang="en-US" sz="1500" b="1" dirty="0" smtClean="0">
               <a:solidFill>
                 <a:schemeClr val="tx1"/>
               </a:solidFill>
@@ -4019,7 +3974,7 @@
           <a:p>
             <a:pPr algn="ctr"/>
             <a:r>
-              <a:rPr lang="en-US" sz="1500" dirty="0" smtClean="0">
+              <a:rPr lang="en-US" sz="1500" b="1" dirty="0" smtClean="0">
                 <a:solidFill>
                   <a:schemeClr val="tx1"/>
                 </a:solidFill>
@@ -4032,7 +3987,7 @@
           <a:p>
             <a:pPr algn="ctr"/>
             <a:r>
-              <a:rPr lang="en-US" sz="1500" dirty="0" err="1" smtClean="0">
+              <a:rPr lang="en-US" sz="1500" b="1" dirty="0" err="1" smtClean="0">
                 <a:solidFill>
                   <a:schemeClr val="tx1"/>
                 </a:solidFill>
@@ -4042,7 +3997,7 @@
               <a:t>Cập</a:t>
             </a:r>
             <a:r>
-              <a:rPr lang="en-US" sz="1500" dirty="0" smtClean="0">
+              <a:rPr lang="en-US" sz="1500" b="1" dirty="0" smtClean="0">
                 <a:solidFill>
                   <a:schemeClr val="tx1"/>
                 </a:solidFill>
@@ -4052,7 +4007,7 @@
               <a:t> </a:t>
             </a:r>
             <a:r>
-              <a:rPr lang="en-US" sz="1500" dirty="0" err="1" smtClean="0">
+              <a:rPr lang="en-US" sz="1500" b="1" dirty="0" err="1" smtClean="0">
                 <a:solidFill>
                   <a:schemeClr val="tx1"/>
                 </a:solidFill>
@@ -4061,7 +4016,7 @@
               </a:rPr>
               <a:t>nhật</a:t>
             </a:r>
-            <a:endParaRPr lang="en-US" sz="1500" dirty="0">
+            <a:endParaRPr lang="en-US" sz="1500" b="1" dirty="0">
               <a:solidFill>
                 <a:schemeClr val="tx1"/>
               </a:solidFill>
@@ -4083,7 +4038,7 @@
         <p:spPr>
           <a:xfrm>
             <a:off x="6629400" y="2552700"/>
-            <a:ext cx="990600" cy="38100"/>
+            <a:ext cx="990600" cy="1588"/>
           </a:xfrm>
           <a:prstGeom prst="straightConnector1">
             <a:avLst/>
@@ -4115,7 +4070,7 @@
         </p:nvSpPr>
         <p:spPr>
           <a:xfrm>
-            <a:off x="3276600" y="5029200"/>
+            <a:off x="3352800" y="5638800"/>
             <a:ext cx="2499402" cy="369332"/>
           </a:xfrm>
           <a:prstGeom prst="rect">
@@ -4220,6 +4175,723 @@
           </a:p>
         </p:txBody>
       </p:sp>
+      <p:sp>
+        <p:nvSpPr>
+          <p:cNvPr id="16" name="Rectangle 15"/>
+          <p:cNvSpPr/>
+          <p:nvPr/>
+        </p:nvSpPr>
+        <p:spPr>
+          <a:xfrm>
+            <a:off x="2895600" y="3962400"/>
+            <a:ext cx="1371600" cy="457200"/>
+          </a:xfrm>
+          <a:prstGeom prst="rect">
+            <a:avLst/>
+          </a:prstGeom>
+          <a:solidFill>
+            <a:schemeClr val="bg1"/>
+          </a:solidFill>
+        </p:spPr>
+        <p:style>
+          <a:lnRef idx="2">
+            <a:schemeClr val="accent1">
+              <a:shade val="50000"/>
+            </a:schemeClr>
+          </a:lnRef>
+          <a:fillRef idx="1">
+            <a:schemeClr val="accent1"/>
+          </a:fillRef>
+          <a:effectRef idx="0">
+            <a:schemeClr val="accent1"/>
+          </a:effectRef>
+          <a:fontRef idx="minor">
+            <a:schemeClr val="lt1"/>
+          </a:fontRef>
+        </p:style>
+        <p:txBody>
+          <a:bodyPr rtlCol="0" anchor="ctr"/>
+          <a:lstStyle/>
+          <a:p>
+            <a:pPr algn="ctr"/>
+            <a:r>
+              <a:rPr lang="en-US" sz="1400" b="1" dirty="0" err="1" smtClean="0">
+                <a:solidFill>
+                  <a:schemeClr val="tx1"/>
+                </a:solidFill>
+              </a:rPr>
+              <a:t>Năm</a:t>
+            </a:r>
+            <a:r>
+              <a:rPr lang="en-US" sz="1400" b="1" dirty="0" smtClean="0">
+                <a:solidFill>
+                  <a:schemeClr val="tx1"/>
+                </a:solidFill>
+              </a:rPr>
+              <a:t> </a:t>
+            </a:r>
+            <a:r>
+              <a:rPr lang="en-US" sz="1400" b="1" dirty="0" err="1" smtClean="0">
+                <a:solidFill>
+                  <a:schemeClr val="tx1"/>
+                </a:solidFill>
+              </a:rPr>
+              <a:t>công</a:t>
+            </a:r>
+            <a:r>
+              <a:rPr lang="en-US" sz="1400" b="1" dirty="0" smtClean="0">
+                <a:solidFill>
+                  <a:schemeClr val="tx1"/>
+                </a:solidFill>
+              </a:rPr>
+              <a:t> </a:t>
+            </a:r>
+            <a:r>
+              <a:rPr lang="en-US" sz="1400" b="1" dirty="0" err="1" smtClean="0">
+                <a:solidFill>
+                  <a:schemeClr val="tx1"/>
+                </a:solidFill>
+              </a:rPr>
+              <a:t>bố</a:t>
+            </a:r>
+            <a:endParaRPr lang="en-US" sz="1400" b="1" dirty="0">
+              <a:solidFill>
+                <a:schemeClr val="tx1"/>
+              </a:solidFill>
+            </a:endParaRPr>
+          </a:p>
+        </p:txBody>
+      </p:sp>
+      <p:cxnSp>
+        <p:nvCxnSpPr>
+          <p:cNvPr id="18" name="Elbow Connector 17"/>
+          <p:cNvCxnSpPr>
+            <a:stCxn id="16" idx="3"/>
+          </p:cNvCxnSpPr>
+          <p:nvPr/>
+        </p:nvCxnSpPr>
+        <p:spPr>
+          <a:xfrm flipV="1">
+            <a:off x="4267200" y="2971800"/>
+            <a:ext cx="1219200" cy="1219200"/>
+          </a:xfrm>
+          <a:prstGeom prst="bentConnector2">
+            <a:avLst/>
+          </a:prstGeom>
+          <a:ln>
+            <a:tailEnd type="arrow"/>
+          </a:ln>
+        </p:spPr>
+        <p:style>
+          <a:lnRef idx="1">
+            <a:schemeClr val="accent1"/>
+          </a:lnRef>
+          <a:fillRef idx="0">
+            <a:schemeClr val="accent1"/>
+          </a:fillRef>
+          <a:effectRef idx="0">
+            <a:schemeClr val="accent1"/>
+          </a:effectRef>
+          <a:fontRef idx="minor">
+            <a:schemeClr val="tx1"/>
+          </a:fontRef>
+        </p:style>
+      </p:cxnSp>
+      <p:cxnSp>
+        <p:nvCxnSpPr>
+          <p:cNvPr id="22" name="Straight Arrow Connector 21"/>
+          <p:cNvCxnSpPr/>
+          <p:nvPr/>
+        </p:nvCxnSpPr>
+        <p:spPr>
+          <a:xfrm>
+            <a:off x="2438400" y="4191000"/>
+            <a:ext cx="457200" cy="1588"/>
+          </a:xfrm>
+          <a:prstGeom prst="straightConnector1">
+            <a:avLst/>
+          </a:prstGeom>
+          <a:ln>
+            <a:tailEnd type="arrow"/>
+          </a:ln>
+        </p:spPr>
+        <p:style>
+          <a:lnRef idx="1">
+            <a:schemeClr val="accent1"/>
+          </a:lnRef>
+          <a:fillRef idx="0">
+            <a:schemeClr val="accent1"/>
+          </a:fillRef>
+          <a:effectRef idx="0">
+            <a:schemeClr val="accent1"/>
+          </a:effectRef>
+          <a:fontRef idx="minor">
+            <a:schemeClr val="tx1"/>
+          </a:fontRef>
+        </p:style>
+      </p:cxnSp>
+      <p:sp>
+        <p:nvSpPr>
+          <p:cNvPr id="27" name="Rectangle 26"/>
+          <p:cNvSpPr/>
+          <p:nvPr/>
+        </p:nvSpPr>
+        <p:spPr>
+          <a:xfrm>
+            <a:off x="2895600" y="4572000"/>
+            <a:ext cx="1371600" cy="457200"/>
+          </a:xfrm>
+          <a:prstGeom prst="rect">
+            <a:avLst/>
+          </a:prstGeom>
+          <a:solidFill>
+            <a:schemeClr val="bg1"/>
+          </a:solidFill>
+        </p:spPr>
+        <p:style>
+          <a:lnRef idx="2">
+            <a:schemeClr val="accent1">
+              <a:shade val="50000"/>
+            </a:schemeClr>
+          </a:lnRef>
+          <a:fillRef idx="1">
+            <a:schemeClr val="accent1"/>
+          </a:fillRef>
+          <a:effectRef idx="0">
+            <a:schemeClr val="accent1"/>
+          </a:effectRef>
+          <a:fontRef idx="minor">
+            <a:schemeClr val="lt1"/>
+          </a:fontRef>
+        </p:style>
+        <p:txBody>
+          <a:bodyPr rtlCol="0" anchor="ctr"/>
+          <a:lstStyle/>
+          <a:p>
+            <a:pPr algn="ctr"/>
+            <a:r>
+              <a:rPr lang="en-US" sz="1400" b="1" dirty="0" err="1" smtClean="0">
+                <a:solidFill>
+                  <a:schemeClr val="tx1"/>
+                </a:solidFill>
+              </a:rPr>
+              <a:t>Năm</a:t>
+            </a:r>
+            <a:r>
+              <a:rPr lang="en-US" sz="1400" b="1" dirty="0" smtClean="0">
+                <a:solidFill>
+                  <a:schemeClr val="tx1"/>
+                </a:solidFill>
+              </a:rPr>
+              <a:t> </a:t>
+            </a:r>
+            <a:r>
+              <a:rPr lang="en-US" sz="1400" b="1" dirty="0" err="1" smtClean="0">
+                <a:solidFill>
+                  <a:schemeClr val="tx1"/>
+                </a:solidFill>
+              </a:rPr>
+              <a:t>công</a:t>
+            </a:r>
+            <a:r>
+              <a:rPr lang="en-US" sz="1400" b="1" dirty="0" smtClean="0">
+                <a:solidFill>
+                  <a:schemeClr val="tx1"/>
+                </a:solidFill>
+              </a:rPr>
+              <a:t> </a:t>
+            </a:r>
+            <a:r>
+              <a:rPr lang="en-US" sz="1400" b="1" dirty="0" err="1" smtClean="0">
+                <a:solidFill>
+                  <a:schemeClr val="tx1"/>
+                </a:solidFill>
+              </a:rPr>
+              <a:t>bố</a:t>
+            </a:r>
+            <a:endParaRPr lang="en-US" sz="1400" b="1" dirty="0">
+              <a:solidFill>
+                <a:schemeClr val="tx1"/>
+              </a:solidFill>
+            </a:endParaRPr>
+          </a:p>
+        </p:txBody>
+      </p:sp>
+      <p:cxnSp>
+        <p:nvCxnSpPr>
+          <p:cNvPr id="37" name="Straight Arrow Connector 36"/>
+          <p:cNvCxnSpPr/>
+          <p:nvPr/>
+        </p:nvCxnSpPr>
+        <p:spPr>
+          <a:xfrm>
+            <a:off x="2438400" y="4800600"/>
+            <a:ext cx="457200" cy="1588"/>
+          </a:xfrm>
+          <a:prstGeom prst="straightConnector1">
+            <a:avLst/>
+          </a:prstGeom>
+          <a:ln>
+            <a:tailEnd type="arrow"/>
+          </a:ln>
+        </p:spPr>
+        <p:style>
+          <a:lnRef idx="1">
+            <a:schemeClr val="accent1"/>
+          </a:lnRef>
+          <a:fillRef idx="0">
+            <a:schemeClr val="accent1"/>
+          </a:fillRef>
+          <a:effectRef idx="0">
+            <a:schemeClr val="accent1"/>
+          </a:effectRef>
+          <a:fontRef idx="minor">
+            <a:schemeClr val="tx1"/>
+          </a:fontRef>
+        </p:style>
+      </p:cxnSp>
+      <p:cxnSp>
+        <p:nvCxnSpPr>
+          <p:cNvPr id="39" name="Straight Arrow Connector 38"/>
+          <p:cNvCxnSpPr/>
+          <p:nvPr/>
+        </p:nvCxnSpPr>
+        <p:spPr>
+          <a:xfrm rot="5400000" flipH="1" flipV="1">
+            <a:off x="5334794" y="3886200"/>
+            <a:ext cx="1828006" cy="794"/>
+          </a:xfrm>
+          <a:prstGeom prst="straightConnector1">
+            <a:avLst/>
+          </a:prstGeom>
+          <a:ln>
+            <a:tailEnd type="arrow"/>
+          </a:ln>
+        </p:spPr>
+        <p:style>
+          <a:lnRef idx="1">
+            <a:schemeClr val="accent1"/>
+          </a:lnRef>
+          <a:fillRef idx="0">
+            <a:schemeClr val="accent1"/>
+          </a:fillRef>
+          <a:effectRef idx="0">
+            <a:schemeClr val="accent1"/>
+          </a:effectRef>
+          <a:fontRef idx="minor">
+            <a:schemeClr val="tx1"/>
+          </a:fontRef>
+        </p:style>
+      </p:cxnSp>
+      <p:cxnSp>
+        <p:nvCxnSpPr>
+          <p:cNvPr id="44" name="Straight Connector 43"/>
+          <p:cNvCxnSpPr>
+            <a:stCxn id="27" idx="3"/>
+          </p:cNvCxnSpPr>
+          <p:nvPr/>
+        </p:nvCxnSpPr>
+        <p:spPr>
+          <a:xfrm>
+            <a:off x="4267200" y="4800600"/>
+            <a:ext cx="1981200" cy="1588"/>
+          </a:xfrm>
+          <a:prstGeom prst="line">
+            <a:avLst/>
+          </a:prstGeom>
+        </p:spPr>
+        <p:style>
+          <a:lnRef idx="1">
+            <a:schemeClr val="accent1"/>
+          </a:lnRef>
+          <a:fillRef idx="0">
+            <a:schemeClr val="accent1"/>
+          </a:fillRef>
+          <a:effectRef idx="0">
+            <a:schemeClr val="accent1"/>
+          </a:effectRef>
+          <a:fontRef idx="minor">
+            <a:schemeClr val="tx1"/>
+          </a:fontRef>
+        </p:style>
+      </p:cxnSp>
+      <p:sp>
+        <p:nvSpPr>
+          <p:cNvPr id="54" name="Rectangle 53"/>
+          <p:cNvSpPr/>
+          <p:nvPr/>
+        </p:nvSpPr>
+        <p:spPr>
+          <a:xfrm>
+            <a:off x="2743200" y="762000"/>
+            <a:ext cx="1371600" cy="457200"/>
+          </a:xfrm>
+          <a:prstGeom prst="rect">
+            <a:avLst/>
+          </a:prstGeom>
+          <a:solidFill>
+            <a:schemeClr val="bg1"/>
+          </a:solidFill>
+        </p:spPr>
+        <p:style>
+          <a:lnRef idx="2">
+            <a:schemeClr val="accent1">
+              <a:shade val="50000"/>
+            </a:schemeClr>
+          </a:lnRef>
+          <a:fillRef idx="1">
+            <a:schemeClr val="accent1"/>
+          </a:fillRef>
+          <a:effectRef idx="0">
+            <a:schemeClr val="accent1"/>
+          </a:effectRef>
+          <a:fontRef idx="minor">
+            <a:schemeClr val="lt1"/>
+          </a:fontRef>
+        </p:style>
+        <p:txBody>
+          <a:bodyPr rtlCol="0" anchor="ctr"/>
+          <a:lstStyle/>
+          <a:p>
+            <a:pPr algn="ctr"/>
+            <a:r>
+              <a:rPr lang="en-US" sz="1400" b="1" dirty="0" err="1" smtClean="0">
+                <a:solidFill>
+                  <a:schemeClr val="tx1"/>
+                </a:solidFill>
+              </a:rPr>
+              <a:t>titleSingnature</a:t>
+            </a:r>
+            <a:endParaRPr lang="en-US" sz="1400" b="1" dirty="0">
+              <a:solidFill>
+                <a:schemeClr val="tx1"/>
+              </a:solidFill>
+            </a:endParaRPr>
+          </a:p>
+        </p:txBody>
+      </p:sp>
+      <p:sp>
+        <p:nvSpPr>
+          <p:cNvPr id="55" name="Rectangle 54"/>
+          <p:cNvSpPr/>
+          <p:nvPr/>
+        </p:nvSpPr>
+        <p:spPr>
+          <a:xfrm>
+            <a:off x="2743200" y="1295400"/>
+            <a:ext cx="1371600" cy="457200"/>
+          </a:xfrm>
+          <a:prstGeom prst="rect">
+            <a:avLst/>
+          </a:prstGeom>
+          <a:solidFill>
+            <a:schemeClr val="bg1"/>
+          </a:solidFill>
+        </p:spPr>
+        <p:style>
+          <a:lnRef idx="2">
+            <a:schemeClr val="accent1">
+              <a:shade val="50000"/>
+            </a:schemeClr>
+          </a:lnRef>
+          <a:fillRef idx="1">
+            <a:schemeClr val="accent1"/>
+          </a:fillRef>
+          <a:effectRef idx="0">
+            <a:schemeClr val="accent1"/>
+          </a:effectRef>
+          <a:fontRef idx="minor">
+            <a:schemeClr val="lt1"/>
+          </a:fontRef>
+        </p:style>
+        <p:txBody>
+          <a:bodyPr rtlCol="0" anchor="ctr"/>
+          <a:lstStyle/>
+          <a:p>
+            <a:pPr algn="ctr"/>
+            <a:r>
+              <a:rPr lang="en-US" sz="1400" b="1" dirty="0" err="1" smtClean="0">
+                <a:solidFill>
+                  <a:schemeClr val="tx1"/>
+                </a:solidFill>
+              </a:rPr>
+              <a:t>Năm</a:t>
+            </a:r>
+            <a:r>
+              <a:rPr lang="en-US" sz="1400" b="1" dirty="0" smtClean="0">
+                <a:solidFill>
+                  <a:schemeClr val="tx1"/>
+                </a:solidFill>
+              </a:rPr>
+              <a:t> </a:t>
+            </a:r>
+            <a:r>
+              <a:rPr lang="en-US" sz="1400" b="1" dirty="0" err="1" smtClean="0">
+                <a:solidFill>
+                  <a:schemeClr val="tx1"/>
+                </a:solidFill>
+              </a:rPr>
+              <a:t>công</a:t>
+            </a:r>
+            <a:r>
+              <a:rPr lang="en-US" sz="1400" b="1" dirty="0" smtClean="0">
+                <a:solidFill>
+                  <a:schemeClr val="tx1"/>
+                </a:solidFill>
+              </a:rPr>
+              <a:t> </a:t>
+            </a:r>
+            <a:r>
+              <a:rPr lang="en-US" sz="1400" b="1" dirty="0" err="1" smtClean="0">
+                <a:solidFill>
+                  <a:schemeClr val="tx1"/>
+                </a:solidFill>
+              </a:rPr>
+              <a:t>bố</a:t>
+            </a:r>
+            <a:endParaRPr lang="en-US" sz="1400" b="1" dirty="0">
+              <a:solidFill>
+                <a:schemeClr val="tx1"/>
+              </a:solidFill>
+            </a:endParaRPr>
+          </a:p>
+        </p:txBody>
+      </p:sp>
+      <p:sp>
+        <p:nvSpPr>
+          <p:cNvPr id="56" name="Rectangle 55"/>
+          <p:cNvSpPr/>
+          <p:nvPr/>
+        </p:nvSpPr>
+        <p:spPr>
+          <a:xfrm>
+            <a:off x="2743200" y="1905000"/>
+            <a:ext cx="1371600" cy="457200"/>
+          </a:xfrm>
+          <a:prstGeom prst="rect">
+            <a:avLst/>
+          </a:prstGeom>
+          <a:solidFill>
+            <a:schemeClr val="bg1"/>
+          </a:solidFill>
+        </p:spPr>
+        <p:style>
+          <a:lnRef idx="2">
+            <a:schemeClr val="accent1">
+              <a:shade val="50000"/>
+            </a:schemeClr>
+          </a:lnRef>
+          <a:fillRef idx="1">
+            <a:schemeClr val="accent1"/>
+          </a:fillRef>
+          <a:effectRef idx="0">
+            <a:schemeClr val="accent1"/>
+          </a:effectRef>
+          <a:fontRef idx="minor">
+            <a:schemeClr val="lt1"/>
+          </a:fontRef>
+        </p:style>
+        <p:txBody>
+          <a:bodyPr rtlCol="0" anchor="ctr"/>
+          <a:lstStyle/>
+          <a:p>
+            <a:pPr algn="ctr"/>
+            <a:r>
+              <a:rPr lang="en-US" sz="1400" b="1" dirty="0" err="1" smtClean="0">
+                <a:solidFill>
+                  <a:schemeClr val="tx1"/>
+                </a:solidFill>
+              </a:rPr>
+              <a:t>Tác</a:t>
+            </a:r>
+            <a:r>
+              <a:rPr lang="en-US" sz="1400" b="1" dirty="0" smtClean="0">
+                <a:solidFill>
+                  <a:schemeClr val="tx1"/>
+                </a:solidFill>
+              </a:rPr>
+              <a:t> </a:t>
+            </a:r>
+            <a:r>
+              <a:rPr lang="en-US" sz="1400" b="1" dirty="0" err="1" smtClean="0">
+                <a:solidFill>
+                  <a:schemeClr val="tx1"/>
+                </a:solidFill>
+              </a:rPr>
+              <a:t>giả</a:t>
+            </a:r>
+            <a:endParaRPr lang="en-US" sz="1400" b="1" dirty="0">
+              <a:solidFill>
+                <a:schemeClr val="tx1"/>
+              </a:solidFill>
+            </a:endParaRPr>
+          </a:p>
+        </p:txBody>
+      </p:sp>
+      <p:cxnSp>
+        <p:nvCxnSpPr>
+          <p:cNvPr id="69" name="Elbow Connector 68"/>
+          <p:cNvCxnSpPr/>
+          <p:nvPr/>
+        </p:nvCxnSpPr>
+        <p:spPr>
+          <a:xfrm>
+            <a:off x="4114800" y="1524000"/>
+            <a:ext cx="1409700" cy="609600"/>
+          </a:xfrm>
+          <a:prstGeom prst="bentConnector2">
+            <a:avLst/>
+          </a:prstGeom>
+          <a:ln>
+            <a:tailEnd type="arrow"/>
+          </a:ln>
+        </p:spPr>
+        <p:style>
+          <a:lnRef idx="1">
+            <a:schemeClr val="accent1"/>
+          </a:lnRef>
+          <a:fillRef idx="0">
+            <a:schemeClr val="accent1"/>
+          </a:fillRef>
+          <a:effectRef idx="0">
+            <a:schemeClr val="accent1"/>
+          </a:effectRef>
+          <a:fontRef idx="minor">
+            <a:schemeClr val="tx1"/>
+          </a:fontRef>
+        </p:style>
+      </p:cxnSp>
+      <p:cxnSp>
+        <p:nvCxnSpPr>
+          <p:cNvPr id="80" name="Straight Connector 79"/>
+          <p:cNvCxnSpPr>
+            <a:stCxn id="54" idx="3"/>
+          </p:cNvCxnSpPr>
+          <p:nvPr/>
+        </p:nvCxnSpPr>
+        <p:spPr>
+          <a:xfrm>
+            <a:off x="4114800" y="990600"/>
+            <a:ext cx="2133600" cy="1588"/>
+          </a:xfrm>
+          <a:prstGeom prst="line">
+            <a:avLst/>
+          </a:prstGeom>
+        </p:spPr>
+        <p:style>
+          <a:lnRef idx="1">
+            <a:schemeClr val="accent1"/>
+          </a:lnRef>
+          <a:fillRef idx="0">
+            <a:schemeClr val="accent1"/>
+          </a:fillRef>
+          <a:effectRef idx="0">
+            <a:schemeClr val="accent1"/>
+          </a:effectRef>
+          <a:fontRef idx="minor">
+            <a:schemeClr val="tx1"/>
+          </a:fontRef>
+        </p:style>
+      </p:cxnSp>
+      <p:cxnSp>
+        <p:nvCxnSpPr>
+          <p:cNvPr id="83" name="Straight Arrow Connector 82"/>
+          <p:cNvCxnSpPr/>
+          <p:nvPr/>
+        </p:nvCxnSpPr>
+        <p:spPr>
+          <a:xfrm rot="5400000">
+            <a:off x="5677694" y="1562100"/>
+            <a:ext cx="1142206" cy="794"/>
+          </a:xfrm>
+          <a:prstGeom prst="straightConnector1">
+            <a:avLst/>
+          </a:prstGeom>
+          <a:ln>
+            <a:tailEnd type="arrow"/>
+          </a:ln>
+        </p:spPr>
+        <p:style>
+          <a:lnRef idx="1">
+            <a:schemeClr val="accent1"/>
+          </a:lnRef>
+          <a:fillRef idx="0">
+            <a:schemeClr val="accent1"/>
+          </a:fillRef>
+          <a:effectRef idx="0">
+            <a:schemeClr val="accent1"/>
+          </a:effectRef>
+          <a:fontRef idx="minor">
+            <a:schemeClr val="tx1"/>
+          </a:fontRef>
+        </p:style>
+      </p:cxnSp>
+      <p:cxnSp>
+        <p:nvCxnSpPr>
+          <p:cNvPr id="95" name="Straight Arrow Connector 94"/>
+          <p:cNvCxnSpPr/>
+          <p:nvPr/>
+        </p:nvCxnSpPr>
+        <p:spPr>
+          <a:xfrm>
+            <a:off x="2057400" y="1524000"/>
+            <a:ext cx="609600" cy="1588"/>
+          </a:xfrm>
+          <a:prstGeom prst="straightConnector1">
+            <a:avLst/>
+          </a:prstGeom>
+          <a:ln>
+            <a:tailEnd type="arrow"/>
+          </a:ln>
+        </p:spPr>
+        <p:style>
+          <a:lnRef idx="1">
+            <a:schemeClr val="accent1"/>
+          </a:lnRef>
+          <a:fillRef idx="0">
+            <a:schemeClr val="accent1"/>
+          </a:fillRef>
+          <a:effectRef idx="0">
+            <a:schemeClr val="accent1"/>
+          </a:effectRef>
+          <a:fontRef idx="minor">
+            <a:schemeClr val="tx1"/>
+          </a:fontRef>
+        </p:style>
+      </p:cxnSp>
+      <p:cxnSp>
+        <p:nvCxnSpPr>
+          <p:cNvPr id="96" name="Straight Arrow Connector 95"/>
+          <p:cNvCxnSpPr/>
+          <p:nvPr/>
+        </p:nvCxnSpPr>
+        <p:spPr>
+          <a:xfrm>
+            <a:off x="2057400" y="2133600"/>
+            <a:ext cx="609600" cy="1588"/>
+          </a:xfrm>
+          <a:prstGeom prst="straightConnector1">
+            <a:avLst/>
+          </a:prstGeom>
+          <a:ln>
+            <a:tailEnd type="arrow"/>
+          </a:ln>
+        </p:spPr>
+        <p:style>
+          <a:lnRef idx="1">
+            <a:schemeClr val="accent1"/>
+          </a:lnRef>
+          <a:fillRef idx="0">
+            <a:schemeClr val="accent1"/>
+          </a:fillRef>
+          <a:effectRef idx="0">
+            <a:schemeClr val="accent1"/>
+          </a:effectRef>
+          <a:fontRef idx="minor">
+            <a:schemeClr val="tx1"/>
+          </a:fontRef>
+        </p:style>
+      </p:cxnSp>
     </p:spTree>
   </p:cSld>
   <p:clrMapOvr>

--- a/trunk/Report/Xulydulieutrunglap.pptx
+++ b/trunk/Report/Xulydulieutrunglap.pptx
@@ -289,7 +289,7 @@
             <a:fld id="{1D8BD707-D9CF-40AE-B4C6-C98DA3205C09}" type="datetimeFigureOut">
               <a:rPr lang="en-US" smtClean="0"/>
               <a:pPr/>
-              <a:t>10/15/2010</a:t>
+              <a:t>3/13/2011</a:t>
             </a:fld>
             <a:endParaRPr lang="en-US"/>
           </a:p>
@@ -456,7 +456,7 @@
             <a:fld id="{1D8BD707-D9CF-40AE-B4C6-C98DA3205C09}" type="datetimeFigureOut">
               <a:rPr lang="en-US" smtClean="0"/>
               <a:pPr/>
-              <a:t>10/15/2010</a:t>
+              <a:t>3/13/2011</a:t>
             </a:fld>
             <a:endParaRPr lang="en-US"/>
           </a:p>
@@ -633,7 +633,7 @@
             <a:fld id="{1D8BD707-D9CF-40AE-B4C6-C98DA3205C09}" type="datetimeFigureOut">
               <a:rPr lang="en-US" smtClean="0"/>
               <a:pPr/>
-              <a:t>10/15/2010</a:t>
+              <a:t>3/13/2011</a:t>
             </a:fld>
             <a:endParaRPr lang="en-US"/>
           </a:p>
@@ -800,7 +800,7 @@
             <a:fld id="{1D8BD707-D9CF-40AE-B4C6-C98DA3205C09}" type="datetimeFigureOut">
               <a:rPr lang="en-US" smtClean="0"/>
               <a:pPr/>
-              <a:t>10/15/2010</a:t>
+              <a:t>3/13/2011</a:t>
             </a:fld>
             <a:endParaRPr lang="en-US"/>
           </a:p>
@@ -1043,7 +1043,7 @@
             <a:fld id="{1D8BD707-D9CF-40AE-B4C6-C98DA3205C09}" type="datetimeFigureOut">
               <a:rPr lang="en-US" smtClean="0"/>
               <a:pPr/>
-              <a:t>10/15/2010</a:t>
+              <a:t>3/13/2011</a:t>
             </a:fld>
             <a:endParaRPr lang="en-US"/>
           </a:p>
@@ -1328,7 +1328,7 @@
             <a:fld id="{1D8BD707-D9CF-40AE-B4C6-C98DA3205C09}" type="datetimeFigureOut">
               <a:rPr lang="en-US" smtClean="0"/>
               <a:pPr/>
-              <a:t>10/15/2010</a:t>
+              <a:t>3/13/2011</a:t>
             </a:fld>
             <a:endParaRPr lang="en-US"/>
           </a:p>
@@ -1747,7 +1747,7 @@
             <a:fld id="{1D8BD707-D9CF-40AE-B4C6-C98DA3205C09}" type="datetimeFigureOut">
               <a:rPr lang="en-US" smtClean="0"/>
               <a:pPr/>
-              <a:t>10/15/2010</a:t>
+              <a:t>3/13/2011</a:t>
             </a:fld>
             <a:endParaRPr lang="en-US"/>
           </a:p>
@@ -1862,7 +1862,7 @@
             <a:fld id="{1D8BD707-D9CF-40AE-B4C6-C98DA3205C09}" type="datetimeFigureOut">
               <a:rPr lang="en-US" smtClean="0"/>
               <a:pPr/>
-              <a:t>10/15/2010</a:t>
+              <a:t>3/13/2011</a:t>
             </a:fld>
             <a:endParaRPr lang="en-US"/>
           </a:p>
@@ -1954,7 +1954,7 @@
             <a:fld id="{1D8BD707-D9CF-40AE-B4C6-C98DA3205C09}" type="datetimeFigureOut">
               <a:rPr lang="en-US" smtClean="0"/>
               <a:pPr/>
-              <a:t>10/15/2010</a:t>
+              <a:t>3/13/2011</a:t>
             </a:fld>
             <a:endParaRPr lang="en-US"/>
           </a:p>
@@ -2228,7 +2228,7 @@
             <a:fld id="{1D8BD707-D9CF-40AE-B4C6-C98DA3205C09}" type="datetimeFigureOut">
               <a:rPr lang="en-US" smtClean="0"/>
               <a:pPr/>
-              <a:t>10/15/2010</a:t>
+              <a:t>3/13/2011</a:t>
             </a:fld>
             <a:endParaRPr lang="en-US"/>
           </a:p>
@@ -2478,7 +2478,7 @@
             <a:fld id="{1D8BD707-D9CF-40AE-B4C6-C98DA3205C09}" type="datetimeFigureOut">
               <a:rPr lang="en-US" smtClean="0"/>
               <a:pPr/>
-              <a:t>10/15/2010</a:t>
+              <a:t>3/13/2011</a:t>
             </a:fld>
             <a:endParaRPr lang="en-US"/>
           </a:p>
@@ -2688,7 +2688,7 @@
             <a:fld id="{1D8BD707-D9CF-40AE-B4C6-C98DA3205C09}" type="datetimeFigureOut">
               <a:rPr lang="en-US" smtClean="0"/>
               <a:pPr/>
-              <a:t>10/15/2010</a:t>
+              <a:t>3/13/2011</a:t>
             </a:fld>
             <a:endParaRPr lang="en-US"/>
           </a:p>
@@ -3067,30 +3067,25 @@
         </p:nvSpPr>
         <p:spPr>
           <a:xfrm>
-            <a:off x="838200" y="914400"/>
+            <a:off x="304800" y="1524000"/>
             <a:ext cx="1143000" cy="1676400"/>
           </a:xfrm>
           <a:prstGeom prst="flowChartDocument">
             <a:avLst/>
           </a:prstGeom>
-          <a:solidFill>
-            <a:schemeClr val="bg1"/>
-          </a:solidFill>
         </p:spPr>
         <p:style>
-          <a:lnRef idx="2">
-            <a:schemeClr val="accent1">
-              <a:shade val="50000"/>
-            </a:schemeClr>
+          <a:lnRef idx="1">
+            <a:schemeClr val="accent1"/>
           </a:lnRef>
-          <a:fillRef idx="1">
+          <a:fillRef idx="2">
             <a:schemeClr val="accent1"/>
           </a:fillRef>
-          <a:effectRef idx="0">
+          <a:effectRef idx="1">
             <a:schemeClr val="accent1"/>
           </a:effectRef>
           <a:fontRef idx="minor">
-            <a:schemeClr val="lt1"/>
+            <a:schemeClr val="dk1"/>
           </a:fontRef>
         </p:style>
         <p:txBody>
@@ -3099,7 +3094,7 @@
           <a:p>
             <a:pPr algn="ctr"/>
             <a:r>
-              <a:rPr lang="en-US" sz="1500" b="1" dirty="0" err="1" smtClean="0">
+              <a:rPr lang="en-US" sz="1400" b="1" dirty="0" err="1" smtClean="0">
                 <a:solidFill>
                   <a:schemeClr val="tx1"/>
                 </a:solidFill>
@@ -3109,7 +3104,7 @@
               <a:t>Bài</a:t>
             </a:r>
             <a:r>
-              <a:rPr lang="en-US" sz="1500" b="1" dirty="0" smtClean="0">
+              <a:rPr lang="en-US" sz="1400" b="1" dirty="0" smtClean="0">
                 <a:solidFill>
                   <a:schemeClr val="tx1"/>
                 </a:solidFill>
@@ -3119,7 +3114,7 @@
               <a:t> </a:t>
             </a:r>
             <a:r>
-              <a:rPr lang="en-US" sz="1500" b="1" dirty="0" err="1" smtClean="0">
+              <a:rPr lang="en-US" sz="1400" b="1" dirty="0" err="1" smtClean="0">
                 <a:solidFill>
                   <a:schemeClr val="tx1"/>
                 </a:solidFill>
@@ -3129,7 +3124,7 @@
               <a:t>báo</a:t>
             </a:r>
             <a:r>
-              <a:rPr lang="en-US" sz="1500" b="1" dirty="0" smtClean="0">
+              <a:rPr lang="en-US" sz="1400" b="1" dirty="0" smtClean="0">
                 <a:solidFill>
                   <a:schemeClr val="tx1"/>
                 </a:solidFill>
@@ -3139,7 +3134,7 @@
               <a:t> </a:t>
             </a:r>
             <a:r>
-              <a:rPr lang="en-US" sz="1500" b="1" dirty="0" err="1" smtClean="0">
+              <a:rPr lang="en-US" sz="1400" b="1" dirty="0" err="1" smtClean="0">
                 <a:solidFill>
                   <a:schemeClr val="tx1"/>
                 </a:solidFill>
@@ -3149,7 +3144,7 @@
               <a:t>đã</a:t>
             </a:r>
             <a:r>
-              <a:rPr lang="en-US" sz="1500" b="1" dirty="0" smtClean="0">
+              <a:rPr lang="en-US" sz="1400" b="1" dirty="0" smtClean="0">
                 <a:solidFill>
                   <a:schemeClr val="tx1"/>
                 </a:solidFill>
@@ -3159,7 +3154,7 @@
               <a:t>  </a:t>
             </a:r>
             <a:r>
-              <a:rPr lang="en-US" sz="1500" b="1" dirty="0" err="1" smtClean="0">
+              <a:rPr lang="en-US" sz="1400" b="1" dirty="0" err="1" smtClean="0">
                 <a:solidFill>
                   <a:schemeClr val="tx1"/>
                 </a:solidFill>
@@ -3169,7 +3164,7 @@
               <a:t>rút</a:t>
             </a:r>
             <a:r>
-              <a:rPr lang="en-US" sz="1500" b="1" dirty="0" smtClean="0">
+              <a:rPr lang="en-US" sz="1400" b="1" dirty="0" smtClean="0">
                 <a:solidFill>
                   <a:schemeClr val="tx1"/>
                 </a:solidFill>
@@ -3179,7 +3174,7 @@
               <a:t> </a:t>
             </a:r>
             <a:r>
-              <a:rPr lang="en-US" sz="1500" b="1" dirty="0" err="1" smtClean="0">
+              <a:rPr lang="en-US" sz="1400" b="1" dirty="0" err="1" smtClean="0">
                 <a:solidFill>
                   <a:schemeClr val="tx1"/>
                 </a:solidFill>
@@ -3189,7 +3184,7 @@
               <a:t>được</a:t>
             </a:r>
             <a:r>
-              <a:rPr lang="en-US" sz="1500" b="1" dirty="0" smtClean="0">
+              <a:rPr lang="en-US" sz="1400" b="1" dirty="0" smtClean="0">
                 <a:solidFill>
                   <a:schemeClr val="tx1"/>
                 </a:solidFill>
@@ -3199,7 +3194,7 @@
               <a:t> </a:t>
             </a:r>
             <a:r>
-              <a:rPr lang="en-US" sz="1500" b="1" dirty="0" err="1" smtClean="0">
+              <a:rPr lang="en-US" sz="1400" b="1" dirty="0" err="1" smtClean="0">
                 <a:solidFill>
                   <a:schemeClr val="tx1"/>
                 </a:solidFill>
@@ -3209,7 +3204,7 @@
               <a:t>thông</a:t>
             </a:r>
             <a:r>
-              <a:rPr lang="en-US" sz="1500" b="1" dirty="0" smtClean="0">
+              <a:rPr lang="en-US" sz="1400" b="1" dirty="0" smtClean="0">
                 <a:solidFill>
                   <a:schemeClr val="tx1"/>
                 </a:solidFill>
@@ -3218,7 +3213,7 @@
               </a:rPr>
               <a:t> tin</a:t>
             </a:r>
-            <a:endParaRPr lang="en-US" sz="1500" b="1" dirty="0">
+            <a:endParaRPr lang="en-US" sz="1400" b="1" dirty="0">
               <a:solidFill>
                 <a:schemeClr val="tx1"/>
               </a:solidFill>
@@ -3236,7 +3231,7 @@
         </p:nvCxnSpPr>
         <p:spPr>
           <a:xfrm>
-            <a:off x="2057400" y="1066800"/>
+            <a:off x="1524000" y="1676400"/>
             <a:ext cx="609600" cy="1588"/>
           </a:xfrm>
           <a:prstGeom prst="straightConnector1">
@@ -3269,8 +3264,8 @@
         </p:nvSpPr>
         <p:spPr>
           <a:xfrm>
-            <a:off x="2590800" y="152400"/>
-            <a:ext cx="1981200" cy="692497"/>
+            <a:off x="2057400" y="762000"/>
+            <a:ext cx="1981200" cy="738664"/>
           </a:xfrm>
           <a:prstGeom prst="rect">
             <a:avLst/>
@@ -3284,56 +3279,56 @@
           <a:lstStyle/>
           <a:p>
             <a:r>
-              <a:rPr lang="en-US" sz="1300" b="1" dirty="0" err="1" smtClean="0">
+              <a:rPr lang="en-US" sz="1400" b="1" dirty="0" err="1" smtClean="0">
                 <a:latin typeface="Times New Roman" pitchFamily="18" charset="0"/>
                 <a:cs typeface="Times New Roman" pitchFamily="18" charset="0"/>
               </a:rPr>
               <a:t>Loại</a:t>
             </a:r>
             <a:r>
-              <a:rPr lang="en-US" sz="1300" b="1" dirty="0" smtClean="0">
+              <a:rPr lang="en-US" sz="1400" b="1" dirty="0" smtClean="0">
                 <a:latin typeface="Times New Roman" pitchFamily="18" charset="0"/>
                 <a:cs typeface="Times New Roman" pitchFamily="18" charset="0"/>
               </a:rPr>
               <a:t> </a:t>
             </a:r>
             <a:r>
-              <a:rPr lang="en-US" sz="1300" b="1" dirty="0" err="1" smtClean="0">
+              <a:rPr lang="en-US" sz="1400" b="1" dirty="0" err="1" smtClean="0">
                 <a:latin typeface="Times New Roman" pitchFamily="18" charset="0"/>
                 <a:cs typeface="Times New Roman" pitchFamily="18" charset="0"/>
               </a:rPr>
               <a:t>bỏ</a:t>
             </a:r>
             <a:r>
-              <a:rPr lang="en-US" sz="1300" b="1" dirty="0" smtClean="0">
+              <a:rPr lang="en-US" sz="1400" b="1" dirty="0" smtClean="0">
                 <a:latin typeface="Times New Roman" pitchFamily="18" charset="0"/>
                 <a:cs typeface="Times New Roman" pitchFamily="18" charset="0"/>
               </a:rPr>
               <a:t> </a:t>
             </a:r>
             <a:r>
-              <a:rPr lang="en-US" sz="1300" b="1" dirty="0" err="1" smtClean="0">
+              <a:rPr lang="en-US" sz="1400" b="1" dirty="0" err="1" smtClean="0">
                 <a:latin typeface="Times New Roman" pitchFamily="18" charset="0"/>
                 <a:cs typeface="Times New Roman" pitchFamily="18" charset="0"/>
               </a:rPr>
               <a:t>khoảng</a:t>
             </a:r>
             <a:r>
-              <a:rPr lang="en-US" sz="1300" b="1" dirty="0" smtClean="0">
+              <a:rPr lang="en-US" sz="1400" b="1" dirty="0" smtClean="0">
                 <a:latin typeface="Times New Roman" pitchFamily="18" charset="0"/>
                 <a:cs typeface="Times New Roman" pitchFamily="18" charset="0"/>
               </a:rPr>
               <a:t> </a:t>
             </a:r>
             <a:r>
-              <a:rPr lang="en-US" sz="1300" b="1" dirty="0" err="1" smtClean="0">
+              <a:rPr lang="en-US" sz="1400" b="1" dirty="0" err="1" smtClean="0">
                 <a:latin typeface="Times New Roman" pitchFamily="18" charset="0"/>
                 <a:cs typeface="Times New Roman" pitchFamily="18" charset="0"/>
               </a:rPr>
               <a:t>trắng</a:t>
             </a:r>
             <a:r>
-              <a:rPr lang="en-US" sz="1300" b="1" dirty="0" smtClean="0">
+              <a:rPr lang="en-US" sz="1400" b="1" dirty="0" smtClean="0">
                 <a:latin typeface="Times New Roman" pitchFamily="18" charset="0"/>
                 <a:cs typeface="Times New Roman" pitchFamily="18" charset="0"/>
               </a:rPr>
@@ -3342,84 +3337,84 @@
           </a:p>
           <a:p>
             <a:r>
-              <a:rPr lang="en-US" sz="1300" b="1" dirty="0" err="1" smtClean="0">
+              <a:rPr lang="en-US" sz="1400" b="1" dirty="0" err="1" smtClean="0">
                 <a:latin typeface="Times New Roman" pitchFamily="18" charset="0"/>
                 <a:cs typeface="Times New Roman" pitchFamily="18" charset="0"/>
               </a:rPr>
               <a:t>và</a:t>
             </a:r>
             <a:r>
-              <a:rPr lang="en-US" sz="1300" b="1" dirty="0" smtClean="0">
+              <a:rPr lang="en-US" sz="1400" b="1" dirty="0" smtClean="0">
                 <a:latin typeface="Times New Roman" pitchFamily="18" charset="0"/>
                 <a:cs typeface="Times New Roman" pitchFamily="18" charset="0"/>
               </a:rPr>
               <a:t> </a:t>
             </a:r>
             <a:r>
-              <a:rPr lang="en-US" sz="1300" b="1" dirty="0" err="1" smtClean="0">
+              <a:rPr lang="en-US" sz="1400" b="1" dirty="0" err="1" smtClean="0">
                 <a:latin typeface="Times New Roman" pitchFamily="18" charset="0"/>
                 <a:cs typeface="Times New Roman" pitchFamily="18" charset="0"/>
               </a:rPr>
               <a:t>các</a:t>
             </a:r>
             <a:r>
-              <a:rPr lang="en-US" sz="1300" b="1" dirty="0" smtClean="0">
+              <a:rPr lang="en-US" sz="1400" b="1" dirty="0" smtClean="0">
                 <a:latin typeface="Times New Roman" pitchFamily="18" charset="0"/>
                 <a:cs typeface="Times New Roman" pitchFamily="18" charset="0"/>
               </a:rPr>
               <a:t> </a:t>
             </a:r>
             <a:r>
-              <a:rPr lang="en-US" sz="1300" b="1" dirty="0" err="1" smtClean="0">
+              <a:rPr lang="en-US" sz="1400" b="1" dirty="0" err="1" smtClean="0">
                 <a:latin typeface="Times New Roman" pitchFamily="18" charset="0"/>
                 <a:cs typeface="Times New Roman" pitchFamily="18" charset="0"/>
               </a:rPr>
               <a:t>ký</a:t>
             </a:r>
             <a:r>
-              <a:rPr lang="en-US" sz="1300" b="1" dirty="0" smtClean="0">
+              <a:rPr lang="en-US" sz="1400" b="1" dirty="0" smtClean="0">
                 <a:latin typeface="Times New Roman" pitchFamily="18" charset="0"/>
                 <a:cs typeface="Times New Roman" pitchFamily="18" charset="0"/>
               </a:rPr>
               <a:t> </a:t>
             </a:r>
             <a:r>
-              <a:rPr lang="en-US" sz="1300" b="1" dirty="0" err="1" smtClean="0">
+              <a:rPr lang="en-US" sz="1400" b="1" dirty="0" err="1" smtClean="0">
                 <a:latin typeface="Times New Roman" pitchFamily="18" charset="0"/>
                 <a:cs typeface="Times New Roman" pitchFamily="18" charset="0"/>
               </a:rPr>
               <a:t>tự</a:t>
             </a:r>
             <a:r>
-              <a:rPr lang="en-US" sz="1300" b="1" dirty="0" smtClean="0">
+              <a:rPr lang="en-US" sz="1400" b="1" dirty="0" smtClean="0">
                 <a:latin typeface="Times New Roman" pitchFamily="18" charset="0"/>
                 <a:cs typeface="Times New Roman" pitchFamily="18" charset="0"/>
               </a:rPr>
               <a:t> </a:t>
             </a:r>
             <a:r>
-              <a:rPr lang="en-US" sz="1300" b="1" dirty="0" err="1" smtClean="0">
+              <a:rPr lang="en-US" sz="1400" b="1" dirty="0" err="1" smtClean="0">
                 <a:latin typeface="Times New Roman" pitchFamily="18" charset="0"/>
                 <a:cs typeface="Times New Roman" pitchFamily="18" charset="0"/>
               </a:rPr>
               <a:t>đặc</a:t>
             </a:r>
             <a:r>
-              <a:rPr lang="en-US" sz="1300" b="1" dirty="0" smtClean="0">
+              <a:rPr lang="en-US" sz="1400" b="1" dirty="0" smtClean="0">
                 <a:latin typeface="Times New Roman" pitchFamily="18" charset="0"/>
                 <a:cs typeface="Times New Roman" pitchFamily="18" charset="0"/>
               </a:rPr>
               <a:t> </a:t>
             </a:r>
             <a:r>
-              <a:rPr lang="en-US" sz="1300" b="1" dirty="0" err="1" smtClean="0">
+              <a:rPr lang="en-US" sz="1400" b="1" dirty="0" err="1" smtClean="0">
                 <a:latin typeface="Times New Roman" pitchFamily="18" charset="0"/>
                 <a:cs typeface="Times New Roman" pitchFamily="18" charset="0"/>
               </a:rPr>
               <a:t>biệt</a:t>
             </a:r>
             <a:r>
-              <a:rPr lang="en-US" sz="1300" b="1" dirty="0" smtClean="0">
+              <a:rPr lang="en-US" sz="1400" b="1" dirty="0" smtClean="0">
                 <a:latin typeface="Times New Roman" pitchFamily="18" charset="0"/>
                 <a:cs typeface="Times New Roman" pitchFamily="18" charset="0"/>
               </a:rPr>
@@ -3427,7 +3422,7 @@
             </a:r>
           </a:p>
           <a:p>
-            <a:endParaRPr lang="en-US" sz="1300" b="1" dirty="0">
+            <a:endParaRPr lang="en-US" sz="1400" b="1" dirty="0">
               <a:latin typeface="Times New Roman" pitchFamily="18" charset="0"/>
               <a:cs typeface="Times New Roman" pitchFamily="18" charset="0"/>
             </a:endParaRPr>
@@ -3442,30 +3437,32 @@
         </p:nvSpPr>
         <p:spPr>
           <a:xfrm>
-            <a:off x="1066800" y="3124200"/>
+            <a:off x="3962400" y="4191000"/>
             <a:ext cx="1295400" cy="2209800"/>
           </a:xfrm>
           <a:prstGeom prst="flowChartMagneticDisk">
             <a:avLst/>
           </a:prstGeom>
-          <a:solidFill>
-            <a:schemeClr val="bg1"/>
-          </a:solidFill>
+          <a:effectLst>
+            <a:outerShdw blurRad="50800" dist="38100" dir="8100000" algn="tr" rotWithShape="0">
+              <a:prstClr val="black">
+                <a:alpha val="40000"/>
+              </a:prstClr>
+            </a:outerShdw>
+          </a:effectLst>
         </p:spPr>
         <p:style>
-          <a:lnRef idx="2">
-            <a:schemeClr val="accent1">
-              <a:shade val="50000"/>
-            </a:schemeClr>
+          <a:lnRef idx="1">
+            <a:schemeClr val="accent1"/>
           </a:lnRef>
-          <a:fillRef idx="1">
+          <a:fillRef idx="2">
             <a:schemeClr val="accent1"/>
           </a:fillRef>
-          <a:effectRef idx="0">
+          <a:effectRef idx="1">
             <a:schemeClr val="accent1"/>
           </a:effectRef>
           <a:fontRef idx="minor">
-            <a:schemeClr val="lt1"/>
+            <a:schemeClr val="dk1"/>
           </a:fontRef>
         </p:style>
         <p:txBody>
@@ -3474,7 +3471,7 @@
           <a:p>
             <a:pPr algn="ctr"/>
             <a:r>
-              <a:rPr lang="en-US" sz="1500" b="1" dirty="0" err="1" smtClean="0">
+              <a:rPr lang="en-US" sz="1400" b="1" dirty="0" err="1" smtClean="0">
                 <a:solidFill>
                   <a:schemeClr val="tx1"/>
                 </a:solidFill>
@@ -3484,7 +3481,7 @@
               <a:t>Dữ</a:t>
             </a:r>
             <a:r>
-              <a:rPr lang="en-US" sz="1500" b="1" dirty="0" smtClean="0">
+              <a:rPr lang="en-US" sz="1400" b="1" dirty="0" smtClean="0">
                 <a:solidFill>
                   <a:schemeClr val="tx1"/>
                 </a:solidFill>
@@ -3494,7 +3491,7 @@
               <a:t> </a:t>
             </a:r>
             <a:r>
-              <a:rPr lang="en-US" sz="1500" b="1" dirty="0" err="1" smtClean="0">
+              <a:rPr lang="en-US" sz="1400" b="1" dirty="0" err="1" smtClean="0">
                 <a:solidFill>
                   <a:schemeClr val="tx1"/>
                 </a:solidFill>
@@ -3503,7 +3500,67 @@
               </a:rPr>
               <a:t>liệu</a:t>
             </a:r>
-            <a:endParaRPr lang="en-US" sz="1500" b="1" dirty="0" smtClean="0">
+            <a:r>
+              <a:rPr lang="en-US" sz="1400" b="1" dirty="0" smtClean="0">
+                <a:solidFill>
+                  <a:schemeClr val="tx1"/>
+                </a:solidFill>
+                <a:latin typeface="Times New Roman" pitchFamily="18" charset="0"/>
+                <a:cs typeface="Times New Roman" pitchFamily="18" charset="0"/>
+              </a:rPr>
+              <a:t> </a:t>
+            </a:r>
+            <a:r>
+              <a:rPr lang="en-US" sz="1400" b="1" dirty="0" err="1" smtClean="0">
+                <a:solidFill>
+                  <a:schemeClr val="tx1"/>
+                </a:solidFill>
+                <a:latin typeface="Times New Roman" pitchFamily="18" charset="0"/>
+                <a:cs typeface="Times New Roman" pitchFamily="18" charset="0"/>
+              </a:rPr>
+              <a:t>của</a:t>
+            </a:r>
+            <a:r>
+              <a:rPr lang="en-US" sz="1400" b="1" dirty="0" smtClean="0">
+                <a:solidFill>
+                  <a:schemeClr val="tx1"/>
+                </a:solidFill>
+                <a:latin typeface="Times New Roman" pitchFamily="18" charset="0"/>
+                <a:cs typeface="Times New Roman" pitchFamily="18" charset="0"/>
+              </a:rPr>
+              <a:t> </a:t>
+            </a:r>
+            <a:r>
+              <a:rPr lang="en-US" sz="1400" b="1" dirty="0" err="1" smtClean="0">
+                <a:solidFill>
+                  <a:schemeClr val="tx1"/>
+                </a:solidFill>
+                <a:latin typeface="Times New Roman" pitchFamily="18" charset="0"/>
+                <a:cs typeface="Times New Roman" pitchFamily="18" charset="0"/>
+              </a:rPr>
+              <a:t>hệ</a:t>
+            </a:r>
+            <a:r>
+              <a:rPr lang="en-US" sz="1400" b="1" dirty="0" smtClean="0">
+                <a:solidFill>
+                  <a:schemeClr val="tx1"/>
+                </a:solidFill>
+                <a:latin typeface="Times New Roman" pitchFamily="18" charset="0"/>
+                <a:cs typeface="Times New Roman" pitchFamily="18" charset="0"/>
+              </a:rPr>
+              <a:t> </a:t>
+            </a:r>
+            <a:r>
+              <a:rPr lang="en-US" sz="1400" b="1" dirty="0" err="1" smtClean="0">
+                <a:solidFill>
+                  <a:schemeClr val="tx1"/>
+                </a:solidFill>
+                <a:latin typeface="Times New Roman" pitchFamily="18" charset="0"/>
+                <a:cs typeface="Times New Roman" pitchFamily="18" charset="0"/>
+              </a:rPr>
+              <a:t>thống</a:t>
+            </a:r>
+            <a:endParaRPr lang="en-US" sz="1400" b="1" dirty="0">
               <a:solidFill>
                 <a:schemeClr val="tx1"/>
               </a:solidFill>
@@ -3511,19 +3568,53 @@
               <a:cs typeface="Times New Roman" pitchFamily="18" charset="0"/>
             </a:endParaRPr>
           </a:p>
+        </p:txBody>
+      </p:sp>
+      <p:sp>
+        <p:nvSpPr>
+          <p:cNvPr id="11" name="Rectangle 10"/>
+          <p:cNvSpPr/>
+          <p:nvPr/>
+        </p:nvSpPr>
+        <p:spPr>
+          <a:xfrm>
+            <a:off x="5943600" y="1371600"/>
+            <a:ext cx="1371600" cy="457200"/>
+          </a:xfrm>
+          <a:prstGeom prst="rect">
+            <a:avLst/>
+          </a:prstGeom>
+        </p:spPr>
+        <p:style>
+          <a:lnRef idx="1">
+            <a:schemeClr val="accent3"/>
+          </a:lnRef>
+          <a:fillRef idx="2">
+            <a:schemeClr val="accent3"/>
+          </a:fillRef>
+          <a:effectRef idx="1">
+            <a:schemeClr val="accent3"/>
+          </a:effectRef>
+          <a:fontRef idx="minor">
+            <a:schemeClr val="dk1"/>
+          </a:fontRef>
+        </p:style>
+        <p:txBody>
+          <a:bodyPr rtlCol="0" anchor="ctr"/>
+          <a:lstStyle/>
           <a:p>
             <a:pPr algn="ctr"/>
             <a:r>
-              <a:rPr lang="en-US" sz="1500" b="1" dirty="0" smtClean="0">
+              <a:rPr lang="en-US" sz="1400" b="1" dirty="0" err="1" smtClean="0">
                 <a:solidFill>
                   <a:schemeClr val="tx1"/>
                 </a:solidFill>
                 <a:latin typeface="Times New Roman" pitchFamily="18" charset="0"/>
                 <a:cs typeface="Times New Roman" pitchFamily="18" charset="0"/>
               </a:rPr>
-              <a:t>DBLP</a:t>
-            </a:r>
-            <a:endParaRPr lang="en-US" sz="1500" b="1" dirty="0">
+              <a:t>titleSingnature</a:t>
+            </a:r>
+            <a:endParaRPr lang="en-US" sz="1400" b="1" dirty="0">
               <a:solidFill>
                 <a:schemeClr val="tx1"/>
               </a:solidFill>
@@ -3533,71 +3624,33 @@
           </a:p>
         </p:txBody>
       </p:sp>
-      <p:cxnSp>
-        <p:nvCxnSpPr>
-          <p:cNvPr id="10" name="Straight Arrow Connector 9"/>
-          <p:cNvCxnSpPr/>
+      <p:sp>
+        <p:nvSpPr>
+          <p:cNvPr id="17" name="Rectangle 16"/>
+          <p:cNvSpPr/>
           <p:nvPr/>
-        </p:nvCxnSpPr>
+        </p:nvSpPr>
         <p:spPr>
           <a:xfrm>
-            <a:off x="2438400" y="3657600"/>
-            <a:ext cx="457200" cy="1588"/>
-          </a:xfrm>
-          <a:prstGeom prst="straightConnector1">
-            <a:avLst/>
-          </a:prstGeom>
-          <a:ln>
-            <a:tailEnd type="arrow"/>
-          </a:ln>
-        </p:spPr>
-        <p:style>
-          <a:lnRef idx="1">
-            <a:schemeClr val="accent1"/>
-          </a:lnRef>
-          <a:fillRef idx="0">
-            <a:schemeClr val="accent1"/>
-          </a:fillRef>
-          <a:effectRef idx="0">
-            <a:schemeClr val="accent1"/>
-          </a:effectRef>
-          <a:fontRef idx="minor">
-            <a:schemeClr val="tx1"/>
-          </a:fontRef>
-        </p:style>
-      </p:cxnSp>
-      <p:sp>
-        <p:nvSpPr>
-          <p:cNvPr id="11" name="Rectangle 10"/>
-          <p:cNvSpPr/>
-          <p:nvPr/>
-        </p:nvSpPr>
-        <p:spPr>
-          <a:xfrm>
-            <a:off x="2895600" y="3429000"/>
-            <a:ext cx="1371600" cy="457200"/>
+            <a:off x="3733800" y="2819400"/>
+            <a:ext cx="1828800" cy="838200"/>
           </a:xfrm>
           <a:prstGeom prst="rect">
             <a:avLst/>
           </a:prstGeom>
-          <a:solidFill>
-            <a:schemeClr val="bg1"/>
-          </a:solidFill>
         </p:spPr>
         <p:style>
-          <a:lnRef idx="2">
-            <a:schemeClr val="accent1">
-              <a:shade val="50000"/>
-            </a:schemeClr>
+          <a:lnRef idx="1">
+            <a:schemeClr val="accent5"/>
           </a:lnRef>
-          <a:fillRef idx="1">
-            <a:schemeClr val="accent1"/>
+          <a:fillRef idx="2">
+            <a:schemeClr val="accent5"/>
           </a:fillRef>
-          <a:effectRef idx="0">
-            <a:schemeClr val="accent1"/>
+          <a:effectRef idx="1">
+            <a:schemeClr val="accent5"/>
           </a:effectRef>
           <a:fontRef idx="minor">
-            <a:schemeClr val="lt1"/>
+            <a:schemeClr val="dk1"/>
           </a:fontRef>
         </p:style>
         <p:txBody>
@@ -3606,131 +3659,26 @@
           <a:p>
             <a:pPr algn="ctr"/>
             <a:r>
+              <a:rPr lang="en-US" sz="1400" b="1" dirty="0" smtClean="0">
+                <a:solidFill>
+                  <a:schemeClr val="tx1"/>
+                </a:solidFill>
+                <a:latin typeface="Times New Roman" pitchFamily="18" charset="0"/>
+                <a:cs typeface="Times New Roman" pitchFamily="18" charset="0"/>
+              </a:rPr>
+              <a:t>So </a:t>
+            </a:r>
+            <a:r>
               <a:rPr lang="en-US" sz="1400" b="1" dirty="0" err="1" smtClean="0">
                 <a:solidFill>
                   <a:schemeClr val="tx1"/>
                 </a:solidFill>
-              </a:rPr>
-              <a:t>titleSingnature</a:t>
-            </a:r>
-            <a:endParaRPr lang="en-US" sz="1400" b="1" dirty="0">
-              <a:solidFill>
-                <a:schemeClr val="tx1"/>
-              </a:solidFill>
-            </a:endParaRPr>
-          </a:p>
-        </p:txBody>
-      </p:sp>
-      <p:sp>
-        <p:nvSpPr>
-          <p:cNvPr id="12" name="TextBox 11"/>
-          <p:cNvSpPr txBox="1"/>
-          <p:nvPr/>
-        </p:nvSpPr>
-        <p:spPr>
-          <a:xfrm>
-            <a:off x="990600" y="533400"/>
-            <a:ext cx="726481" cy="292388"/>
-          </a:xfrm>
-          <a:prstGeom prst="rect">
-            <a:avLst/>
-          </a:prstGeom>
-          <a:noFill/>
-        </p:spPr>
-        <p:txBody>
-          <a:bodyPr wrap="none" rtlCol="0">
-            <a:spAutoFit/>
-          </a:bodyPr>
-          <a:lstStyle/>
-          <a:p>
-            <a:r>
-              <a:rPr lang="en-US" sz="1300" b="1" dirty="0" err="1" smtClean="0">
-                <a:latin typeface="Times New Roman" pitchFamily="18" charset="0"/>
-                <a:cs typeface="Times New Roman" pitchFamily="18" charset="0"/>
-              </a:rPr>
-              <a:t>Bài</a:t>
-            </a:r>
-            <a:r>
-              <a:rPr lang="en-US" sz="1300" b="1" dirty="0" smtClean="0">
-                <a:latin typeface="Times New Roman" pitchFamily="18" charset="0"/>
-                <a:cs typeface="Times New Roman" pitchFamily="18" charset="0"/>
-              </a:rPr>
-              <a:t> </a:t>
-            </a:r>
-            <a:r>
-              <a:rPr lang="en-US" sz="1300" b="1" dirty="0" err="1" smtClean="0">
-                <a:latin typeface="Times New Roman" pitchFamily="18" charset="0"/>
-                <a:cs typeface="Times New Roman" pitchFamily="18" charset="0"/>
-              </a:rPr>
-              <a:t>báo</a:t>
-            </a:r>
-            <a:endParaRPr lang="en-US" sz="1300" b="1" dirty="0">
-              <a:latin typeface="Times New Roman" pitchFamily="18" charset="0"/>
-              <a:cs typeface="Times New Roman" pitchFamily="18" charset="0"/>
-            </a:endParaRPr>
-          </a:p>
-        </p:txBody>
-      </p:sp>
-      <p:sp>
-        <p:nvSpPr>
-          <p:cNvPr id="17" name="Rectangle 16"/>
-          <p:cNvSpPr/>
-          <p:nvPr/>
-        </p:nvSpPr>
-        <p:spPr>
-          <a:xfrm>
-            <a:off x="5334000" y="2133600"/>
-            <a:ext cx="1295400" cy="838200"/>
-          </a:xfrm>
-          <a:prstGeom prst="rect">
-            <a:avLst/>
-          </a:prstGeom>
-          <a:solidFill>
-            <a:schemeClr val="bg1"/>
-          </a:solidFill>
-        </p:spPr>
-        <p:style>
-          <a:lnRef idx="2">
-            <a:schemeClr val="accent1">
-              <a:shade val="50000"/>
-            </a:schemeClr>
-          </a:lnRef>
-          <a:fillRef idx="1">
-            <a:schemeClr val="accent1"/>
-          </a:fillRef>
-          <a:effectRef idx="0">
-            <a:schemeClr val="accent1"/>
-          </a:effectRef>
-          <a:fontRef idx="minor">
-            <a:schemeClr val="lt1"/>
-          </a:fontRef>
-        </p:style>
-        <p:txBody>
-          <a:bodyPr rtlCol="0" anchor="ctr"/>
-          <a:lstStyle/>
-          <a:p>
-            <a:pPr algn="ctr"/>
-            <a:r>
-              <a:rPr lang="en-US" sz="1500" b="1" dirty="0" smtClean="0">
-                <a:solidFill>
-                  <a:schemeClr val="tx1"/>
-                </a:solidFill>
-                <a:latin typeface="Times New Roman" pitchFamily="18" charset="0"/>
-                <a:cs typeface="Times New Roman" pitchFamily="18" charset="0"/>
-              </a:rPr>
-              <a:t>So </a:t>
-            </a:r>
-            <a:r>
-              <a:rPr lang="en-US" sz="1500" b="1" dirty="0" err="1" smtClean="0">
-                <a:solidFill>
-                  <a:schemeClr val="tx1"/>
-                </a:solidFill>
                 <a:latin typeface="Times New Roman" pitchFamily="18" charset="0"/>
                 <a:cs typeface="Times New Roman" pitchFamily="18" charset="0"/>
               </a:rPr>
               <a:t>sánh</a:t>
             </a:r>
-            <a:endParaRPr lang="en-US" sz="1500" b="1" dirty="0" smtClean="0">
+            <a:endParaRPr lang="en-US" sz="1400" b="1" dirty="0" smtClean="0">
               <a:solidFill>
                 <a:schemeClr val="tx1"/>
               </a:solidFill>
@@ -3741,7 +3689,7 @@
           <a:p>
             <a:pPr algn="ctr"/>
             <a:r>
-              <a:rPr lang="en-US" sz="1500" b="1" dirty="0" err="1" smtClean="0">
+              <a:rPr lang="en-US" sz="1400" b="1" dirty="0" err="1" smtClean="0">
                 <a:solidFill>
                   <a:schemeClr val="tx1"/>
                 </a:solidFill>
@@ -3751,7 +3699,7 @@
               <a:t>Xử</a:t>
             </a:r>
             <a:r>
-              <a:rPr lang="en-US" sz="1500" b="1" dirty="0" smtClean="0">
+              <a:rPr lang="en-US" sz="1400" b="1" dirty="0" smtClean="0">
                 <a:solidFill>
                   <a:schemeClr val="tx1"/>
                 </a:solidFill>
@@ -3761,7 +3709,7 @@
               <a:t> </a:t>
             </a:r>
             <a:r>
-              <a:rPr lang="en-US" sz="1500" b="1" dirty="0" err="1" smtClean="0">
+              <a:rPr lang="en-US" sz="1400" b="1" dirty="0" err="1" smtClean="0">
                 <a:solidFill>
                   <a:schemeClr val="tx1"/>
                 </a:solidFill>
@@ -3771,7 +3719,7 @@
               <a:t>lý</a:t>
             </a:r>
             <a:r>
-              <a:rPr lang="en-US" sz="1500" b="1" dirty="0" smtClean="0">
+              <a:rPr lang="en-US" sz="1400" b="1" dirty="0" smtClean="0">
                 <a:solidFill>
                   <a:schemeClr val="tx1"/>
                 </a:solidFill>
@@ -3781,7 +3729,7 @@
               <a:t> </a:t>
             </a:r>
             <a:r>
-              <a:rPr lang="en-US" sz="1500" b="1" dirty="0" err="1" smtClean="0">
+              <a:rPr lang="en-US" sz="1400" b="1" dirty="0" err="1" smtClean="0">
                 <a:solidFill>
                   <a:schemeClr val="tx1"/>
                 </a:solidFill>
@@ -3791,7 +3739,7 @@
               <a:t>trùng</a:t>
             </a:r>
             <a:r>
-              <a:rPr lang="en-US" sz="1500" b="1" dirty="0" smtClean="0">
+              <a:rPr lang="en-US" sz="1400" b="1" dirty="0" smtClean="0">
                 <a:solidFill>
                   <a:schemeClr val="tx1"/>
                 </a:solidFill>
@@ -3801,7 +3749,7 @@
               <a:t> </a:t>
             </a:r>
             <a:r>
-              <a:rPr lang="en-US" sz="1500" b="1" dirty="0" err="1" smtClean="0">
+              <a:rPr lang="en-US" sz="1400" b="1" dirty="0" err="1" smtClean="0">
                 <a:solidFill>
                   <a:schemeClr val="tx1"/>
                 </a:solidFill>
@@ -3810,7 +3758,7 @@
               </a:rPr>
               <a:t>lặp</a:t>
             </a:r>
-            <a:endParaRPr lang="en-US" sz="1500" b="1" dirty="0">
+            <a:endParaRPr lang="en-US" sz="1400" b="1" dirty="0">
               <a:solidFill>
                 <a:schemeClr val="tx1"/>
               </a:solidFill>
@@ -3820,131 +3768,52 @@
           </a:p>
         </p:txBody>
       </p:sp>
-      <p:cxnSp>
-        <p:nvCxnSpPr>
-          <p:cNvPr id="19" name="Elbow Connector 18"/>
-          <p:cNvCxnSpPr>
-            <a:stCxn id="56" idx="3"/>
-          </p:cNvCxnSpPr>
+      <p:sp>
+        <p:nvSpPr>
+          <p:cNvPr id="16" name="Rectangle 15"/>
+          <p:cNvSpPr/>
           <p:nvPr/>
-        </p:nvCxnSpPr>
+        </p:nvSpPr>
         <p:spPr>
           <a:xfrm>
-            <a:off x="4114800" y="2133600"/>
-            <a:ext cx="1219200" cy="228600"/>
+            <a:off x="5943600" y="1981200"/>
+            <a:ext cx="1371600" cy="457200"/>
           </a:xfrm>
-          <a:prstGeom prst="bentConnector3">
-            <a:avLst>
-              <a:gd name="adj1" fmla="val 50000"/>
-            </a:avLst>
+          <a:prstGeom prst="rect">
+            <a:avLst/>
           </a:prstGeom>
-          <a:ln>
-            <a:tailEnd type="arrow"/>
-          </a:ln>
         </p:spPr>
         <p:style>
           <a:lnRef idx="1">
-            <a:schemeClr val="accent1"/>
+            <a:schemeClr val="accent4"/>
           </a:lnRef>
-          <a:fillRef idx="0">
-            <a:schemeClr val="accent1"/>
+          <a:fillRef idx="2">
+            <a:schemeClr val="accent4"/>
           </a:fillRef>
-          <a:effectRef idx="0">
-            <a:schemeClr val="accent1"/>
+          <a:effectRef idx="1">
+            <a:schemeClr val="accent4"/>
           </a:effectRef>
           <a:fontRef idx="minor">
-            <a:schemeClr val="tx1"/>
+            <a:schemeClr val="dk1"/>
           </a:fontRef>
         </p:style>
-      </p:cxnSp>
-      <p:cxnSp>
-        <p:nvCxnSpPr>
-          <p:cNvPr id="31" name="Elbow Connector 30"/>
-          <p:cNvCxnSpPr>
-            <a:stCxn id="11" idx="3"/>
-          </p:cNvCxnSpPr>
-          <p:nvPr/>
-        </p:nvCxnSpPr>
-        <p:spPr>
-          <a:xfrm flipV="1">
-            <a:off x="4267200" y="2743200"/>
-            <a:ext cx="1066800" cy="914400"/>
-          </a:xfrm>
-          <a:prstGeom prst="bentConnector3">
-            <a:avLst>
-              <a:gd name="adj1" fmla="val 50000"/>
-            </a:avLst>
-          </a:prstGeom>
-          <a:ln>
-            <a:tailEnd type="arrow"/>
-          </a:ln>
-        </p:spPr>
-        <p:style>
-          <a:lnRef idx="1">
-            <a:schemeClr val="accent1"/>
-          </a:lnRef>
-          <a:fillRef idx="0">
-            <a:schemeClr val="accent1"/>
-          </a:fillRef>
-          <a:effectRef idx="0">
-            <a:schemeClr val="accent1"/>
-          </a:effectRef>
-          <a:fontRef idx="minor">
-            <a:schemeClr val="tx1"/>
-          </a:fontRef>
-        </p:style>
-      </p:cxnSp>
-      <p:sp>
-        <p:nvSpPr>
-          <p:cNvPr id="36" name="Flowchart: Magnetic Disk 35"/>
-          <p:cNvSpPr/>
-          <p:nvPr/>
-        </p:nvSpPr>
-        <p:spPr>
-          <a:xfrm>
-            <a:off x="7620000" y="1828800"/>
-            <a:ext cx="1066800" cy="1447800"/>
-          </a:xfrm>
-          <a:prstGeom prst="flowChartMagneticDisk">
-            <a:avLst/>
-          </a:prstGeom>
-          <a:solidFill>
-            <a:schemeClr val="bg1"/>
-          </a:solidFill>
-        </p:spPr>
-        <p:style>
-          <a:lnRef idx="2">
-            <a:schemeClr val="accent1">
-              <a:shade val="50000"/>
-            </a:schemeClr>
-          </a:lnRef>
-          <a:fillRef idx="1">
-            <a:schemeClr val="accent1"/>
-          </a:fillRef>
-          <a:effectRef idx="0">
-            <a:schemeClr val="accent1"/>
-          </a:effectRef>
-          <a:fontRef idx="minor">
-            <a:schemeClr val="lt1"/>
-          </a:fontRef>
-        </p:style>
         <p:txBody>
           <a:bodyPr rtlCol="0" anchor="ctr"/>
           <a:lstStyle/>
           <a:p>
             <a:pPr algn="ctr"/>
             <a:r>
-              <a:rPr lang="en-US" sz="1500" b="1" dirty="0" err="1" smtClean="0">
+              <a:rPr lang="en-US" sz="1400" b="1" dirty="0" err="1" smtClean="0">
                 <a:solidFill>
                   <a:schemeClr val="tx1"/>
                 </a:solidFill>
                 <a:latin typeface="Times New Roman" pitchFamily="18" charset="0"/>
                 <a:cs typeface="Times New Roman" pitchFamily="18" charset="0"/>
               </a:rPr>
-              <a:t>Dữ</a:t>
-            </a:r>
-            <a:r>
-              <a:rPr lang="en-US" sz="1500" b="1" dirty="0" smtClean="0">
+              <a:t>Năm</a:t>
+            </a:r>
+            <a:r>
+              <a:rPr lang="en-US" sz="1400" b="1" dirty="0" smtClean="0">
                 <a:solidFill>
                   <a:schemeClr val="tx1"/>
                 </a:solidFill>
@@ -3954,16 +3823,36 @@
               <a:t> </a:t>
             </a:r>
             <a:r>
-              <a:rPr lang="en-US" sz="1500" b="1" dirty="0" err="1" smtClean="0">
+              <a:rPr lang="en-US" sz="1400" b="1" dirty="0" err="1" smtClean="0">
                 <a:solidFill>
                   <a:schemeClr val="tx1"/>
                 </a:solidFill>
                 <a:latin typeface="Times New Roman" pitchFamily="18" charset="0"/>
                 <a:cs typeface="Times New Roman" pitchFamily="18" charset="0"/>
               </a:rPr>
-              <a:t>liệu</a:t>
-            </a:r>
-            <a:endParaRPr lang="en-US" sz="1500" b="1" dirty="0" smtClean="0">
+              <a:t>công</a:t>
+            </a:r>
+            <a:r>
+              <a:rPr lang="en-US" sz="1400" b="1" dirty="0" smtClean="0">
+                <a:solidFill>
+                  <a:schemeClr val="tx1"/>
+                </a:solidFill>
+                <a:latin typeface="Times New Roman" pitchFamily="18" charset="0"/>
+                <a:cs typeface="Times New Roman" pitchFamily="18" charset="0"/>
+              </a:rPr>
+              <a:t> </a:t>
+            </a:r>
+            <a:r>
+              <a:rPr lang="en-US" sz="1400" b="1" dirty="0" err="1" smtClean="0">
+                <a:solidFill>
+                  <a:schemeClr val="tx1"/>
+                </a:solidFill>
+                <a:latin typeface="Times New Roman" pitchFamily="18" charset="0"/>
+                <a:cs typeface="Times New Roman" pitchFamily="18" charset="0"/>
+              </a:rPr>
+              <a:t>bố</a:t>
+            </a:r>
+            <a:endParaRPr lang="en-US" sz="1400" b="1" dirty="0">
               <a:solidFill>
                 <a:schemeClr val="tx1"/>
               </a:solidFill>
@@ -3971,52 +3860,53 @@
               <a:cs typeface="Times New Roman" pitchFamily="18" charset="0"/>
             </a:endParaRPr>
           </a:p>
+        </p:txBody>
+      </p:sp>
+      <p:sp>
+        <p:nvSpPr>
+          <p:cNvPr id="54" name="Rectangle 53"/>
+          <p:cNvSpPr/>
+          <p:nvPr/>
+        </p:nvSpPr>
+        <p:spPr>
+          <a:xfrm>
+            <a:off x="2209800" y="1371600"/>
+            <a:ext cx="1371600" cy="457200"/>
+          </a:xfrm>
+          <a:prstGeom prst="rect">
+            <a:avLst/>
+          </a:prstGeom>
+        </p:spPr>
+        <p:style>
+          <a:lnRef idx="1">
+            <a:schemeClr val="accent3"/>
+          </a:lnRef>
+          <a:fillRef idx="2">
+            <a:schemeClr val="accent3"/>
+          </a:fillRef>
+          <a:effectRef idx="1">
+            <a:schemeClr val="accent3"/>
+          </a:effectRef>
+          <a:fontRef idx="minor">
+            <a:schemeClr val="dk1"/>
+          </a:fontRef>
+        </p:style>
+        <p:txBody>
+          <a:bodyPr rtlCol="0" anchor="ctr"/>
+          <a:lstStyle/>
           <a:p>
             <a:pPr algn="ctr"/>
             <a:r>
-              <a:rPr lang="en-US" sz="1500" b="1" dirty="0" smtClean="0">
+              <a:rPr lang="en-US" sz="1400" b="1" dirty="0" err="1" smtClean="0">
                 <a:solidFill>
                   <a:schemeClr val="tx1"/>
                 </a:solidFill>
                 <a:latin typeface="Times New Roman" pitchFamily="18" charset="0"/>
                 <a:cs typeface="Times New Roman" pitchFamily="18" charset="0"/>
               </a:rPr>
-              <a:t>DBLP </a:t>
-            </a:r>
-          </a:p>
-          <a:p>
-            <a:pPr algn="ctr"/>
-            <a:r>
-              <a:rPr lang="en-US" sz="1500" b="1" dirty="0" err="1" smtClean="0">
-                <a:solidFill>
-                  <a:schemeClr val="tx1"/>
-                </a:solidFill>
-                <a:latin typeface="Times New Roman" pitchFamily="18" charset="0"/>
-                <a:cs typeface="Times New Roman" pitchFamily="18" charset="0"/>
-              </a:rPr>
-              <a:t>Cập</a:t>
-            </a:r>
-            <a:r>
-              <a:rPr lang="en-US" sz="1500" b="1" dirty="0" smtClean="0">
-                <a:solidFill>
-                  <a:schemeClr val="tx1"/>
-                </a:solidFill>
-                <a:latin typeface="Times New Roman" pitchFamily="18" charset="0"/>
-                <a:cs typeface="Times New Roman" pitchFamily="18" charset="0"/>
-              </a:rPr>
-              <a:t> </a:t>
-            </a:r>
-            <a:r>
-              <a:rPr lang="en-US" sz="1500" b="1" dirty="0" err="1" smtClean="0">
-                <a:solidFill>
-                  <a:schemeClr val="tx1"/>
-                </a:solidFill>
-                <a:latin typeface="Times New Roman" pitchFamily="18" charset="0"/>
-                <a:cs typeface="Times New Roman" pitchFamily="18" charset="0"/>
-              </a:rPr>
-              <a:t>nhật</a:t>
-            </a:r>
-            <a:endParaRPr lang="en-US" sz="1500" b="1" dirty="0">
+              <a:t>titleSingnature</a:t>
+            </a:r>
+            <a:endParaRPr lang="en-US" sz="1400" b="1" dirty="0">
               <a:solidFill>
                 <a:schemeClr val="tx1"/>
               </a:solidFill>
@@ -4026,187 +3916,33 @@
           </a:p>
         </p:txBody>
       </p:sp>
-      <p:cxnSp>
-        <p:nvCxnSpPr>
-          <p:cNvPr id="41" name="Straight Arrow Connector 40"/>
-          <p:cNvCxnSpPr>
-            <a:stCxn id="17" idx="3"/>
-            <a:endCxn id="36" idx="2"/>
-          </p:cNvCxnSpPr>
+      <p:sp>
+        <p:nvSpPr>
+          <p:cNvPr id="55" name="Rectangle 54"/>
+          <p:cNvSpPr/>
           <p:nvPr/>
-        </p:nvCxnSpPr>
+        </p:nvSpPr>
         <p:spPr>
           <a:xfrm>
-            <a:off x="6629400" y="2552700"/>
-            <a:ext cx="990600" cy="1588"/>
-          </a:xfrm>
-          <a:prstGeom prst="straightConnector1">
-            <a:avLst/>
-          </a:prstGeom>
-          <a:ln>
-            <a:tailEnd type="arrow"/>
-          </a:ln>
-        </p:spPr>
-        <p:style>
-          <a:lnRef idx="1">
-            <a:schemeClr val="accent1"/>
-          </a:lnRef>
-          <a:fillRef idx="0">
-            <a:schemeClr val="accent1"/>
-          </a:fillRef>
-          <a:effectRef idx="0">
-            <a:schemeClr val="accent1"/>
-          </a:effectRef>
-          <a:fontRef idx="minor">
-            <a:schemeClr val="tx1"/>
-          </a:fontRef>
-        </p:style>
-      </p:cxnSp>
-      <p:sp>
-        <p:nvSpPr>
-          <p:cNvPr id="48" name="TextBox 47"/>
-          <p:cNvSpPr txBox="1"/>
-          <p:nvPr/>
-        </p:nvSpPr>
-        <p:spPr>
-          <a:xfrm>
-            <a:off x="3352800" y="5638800"/>
-            <a:ext cx="2499402" cy="369332"/>
-          </a:xfrm>
-          <a:prstGeom prst="rect">
-            <a:avLst/>
-          </a:prstGeom>
-          <a:noFill/>
-        </p:spPr>
-        <p:txBody>
-          <a:bodyPr wrap="none" rtlCol="0">
-            <a:spAutoFit/>
-          </a:bodyPr>
-          <a:lstStyle/>
-          <a:p>
-            <a:r>
-              <a:rPr lang="en-US" b="1" dirty="0" err="1" smtClean="0">
-                <a:latin typeface="Times New Roman" pitchFamily="18" charset="0"/>
-                <a:cs typeface="Times New Roman" pitchFamily="18" charset="0"/>
-              </a:rPr>
-              <a:t>Xử</a:t>
-            </a:r>
-            <a:r>
-              <a:rPr lang="en-US" b="1" dirty="0" smtClean="0">
-                <a:latin typeface="Times New Roman" pitchFamily="18" charset="0"/>
-                <a:cs typeface="Times New Roman" pitchFamily="18" charset="0"/>
-              </a:rPr>
-              <a:t> </a:t>
-            </a:r>
-            <a:r>
-              <a:rPr lang="en-US" b="1" dirty="0" err="1" smtClean="0">
-                <a:latin typeface="Times New Roman" pitchFamily="18" charset="0"/>
-                <a:cs typeface="Times New Roman" pitchFamily="18" charset="0"/>
-              </a:rPr>
-              <a:t>lý</a:t>
-            </a:r>
-            <a:r>
-              <a:rPr lang="en-US" b="1" dirty="0" smtClean="0">
-                <a:latin typeface="Times New Roman" pitchFamily="18" charset="0"/>
-                <a:cs typeface="Times New Roman" pitchFamily="18" charset="0"/>
-              </a:rPr>
-              <a:t> </a:t>
-            </a:r>
-            <a:r>
-              <a:rPr lang="en-US" b="1" dirty="0" err="1" smtClean="0">
-                <a:latin typeface="Times New Roman" pitchFamily="18" charset="0"/>
-                <a:cs typeface="Times New Roman" pitchFamily="18" charset="0"/>
-              </a:rPr>
-              <a:t>dữ</a:t>
-            </a:r>
-            <a:r>
-              <a:rPr lang="en-US" b="1" dirty="0" smtClean="0">
-                <a:latin typeface="Times New Roman" pitchFamily="18" charset="0"/>
-                <a:cs typeface="Times New Roman" pitchFamily="18" charset="0"/>
-              </a:rPr>
-              <a:t> </a:t>
-            </a:r>
-            <a:r>
-              <a:rPr lang="en-US" b="1" dirty="0" err="1" smtClean="0">
-                <a:latin typeface="Times New Roman" pitchFamily="18" charset="0"/>
-                <a:cs typeface="Times New Roman" pitchFamily="18" charset="0"/>
-              </a:rPr>
-              <a:t>liệu</a:t>
-            </a:r>
-            <a:r>
-              <a:rPr lang="en-US" b="1" dirty="0" smtClean="0">
-                <a:latin typeface="Times New Roman" pitchFamily="18" charset="0"/>
-                <a:cs typeface="Times New Roman" pitchFamily="18" charset="0"/>
-              </a:rPr>
-              <a:t> </a:t>
-            </a:r>
-            <a:r>
-              <a:rPr lang="en-US" b="1" dirty="0" err="1" smtClean="0">
-                <a:latin typeface="Times New Roman" pitchFamily="18" charset="0"/>
-                <a:cs typeface="Times New Roman" pitchFamily="18" charset="0"/>
-              </a:rPr>
-              <a:t>trùng</a:t>
-            </a:r>
-            <a:r>
-              <a:rPr lang="en-US" b="1" dirty="0" smtClean="0">
-                <a:latin typeface="Times New Roman" pitchFamily="18" charset="0"/>
-                <a:cs typeface="Times New Roman" pitchFamily="18" charset="0"/>
-              </a:rPr>
-              <a:t> </a:t>
-            </a:r>
-            <a:r>
-              <a:rPr lang="en-US" b="1" dirty="0" err="1" smtClean="0">
-                <a:latin typeface="Times New Roman" pitchFamily="18" charset="0"/>
-                <a:cs typeface="Times New Roman" pitchFamily="18" charset="0"/>
-              </a:rPr>
-              <a:t>lặp</a:t>
-            </a:r>
-            <a:r>
-              <a:rPr lang="en-US" b="1" dirty="0" smtClean="0">
-                <a:latin typeface="Times New Roman" pitchFamily="18" charset="0"/>
-                <a:cs typeface="Times New Roman" pitchFamily="18" charset="0"/>
-              </a:rPr>
-              <a:t> </a:t>
-            </a:r>
-            <a:endParaRPr lang="en-US" b="1" dirty="0">
-              <a:latin typeface="Times New Roman" pitchFamily="18" charset="0"/>
-              <a:cs typeface="Times New Roman" pitchFamily="18" charset="0"/>
-            </a:endParaRPr>
-          </a:p>
-        </p:txBody>
-      </p:sp>
-      <p:sp>
-        <p:nvSpPr>
-          <p:cNvPr id="16" name="Rectangle 15"/>
-          <p:cNvSpPr/>
-          <p:nvPr/>
-        </p:nvSpPr>
-        <p:spPr>
-          <a:xfrm>
-            <a:off x="2895600" y="3962400"/>
+            <a:off x="2209800" y="1981200"/>
             <a:ext cx="1371600" cy="457200"/>
           </a:xfrm>
           <a:prstGeom prst="rect">
             <a:avLst/>
           </a:prstGeom>
-          <a:solidFill>
-            <a:schemeClr val="bg1"/>
-          </a:solidFill>
         </p:spPr>
         <p:style>
-          <a:lnRef idx="2">
-            <a:schemeClr val="accent1">
-              <a:shade val="50000"/>
-            </a:schemeClr>
+          <a:lnRef idx="1">
+            <a:schemeClr val="dk1"/>
           </a:lnRef>
-          <a:fillRef idx="1">
-            <a:schemeClr val="accent1"/>
+          <a:fillRef idx="2">
+            <a:schemeClr val="dk1"/>
           </a:fillRef>
-          <a:effectRef idx="0">
-            <a:schemeClr val="accent1"/>
+          <a:effectRef idx="1">
+            <a:schemeClr val="dk1"/>
           </a:effectRef>
           <a:fontRef idx="minor">
-            <a:schemeClr val="lt1"/>
+            <a:schemeClr val="dk1"/>
           </a:fontRef>
         </p:style>
         <p:txBody>
@@ -4219,6 +3955,8 @@
                 <a:solidFill>
                   <a:schemeClr val="tx1"/>
                 </a:solidFill>
+                <a:latin typeface="Times New Roman" pitchFamily="18" charset="0"/>
+                <a:cs typeface="Times New Roman" pitchFamily="18" charset="0"/>
               </a:rPr>
               <a:t>Năm</a:t>
             </a:r>
@@ -4227,6 +3965,8 @@
                 <a:solidFill>
                   <a:schemeClr val="tx1"/>
                 </a:solidFill>
+                <a:latin typeface="Times New Roman" pitchFamily="18" charset="0"/>
+                <a:cs typeface="Times New Roman" pitchFamily="18" charset="0"/>
               </a:rPr>
               <a:t> </a:t>
             </a:r>
@@ -4235,6 +3975,8 @@
                 <a:solidFill>
                   <a:schemeClr val="tx1"/>
                 </a:solidFill>
+                <a:latin typeface="Times New Roman" pitchFamily="18" charset="0"/>
+                <a:cs typeface="Times New Roman" pitchFamily="18" charset="0"/>
               </a:rPr>
               <a:t>công</a:t>
             </a:r>
@@ -4243,6 +3985,8 @@
                 <a:solidFill>
                   <a:schemeClr val="tx1"/>
                 </a:solidFill>
+                <a:latin typeface="Times New Roman" pitchFamily="18" charset="0"/>
+                <a:cs typeface="Times New Roman" pitchFamily="18" charset="0"/>
               </a:rPr>
               <a:t> </a:t>
             </a:r>
@@ -4251,6 +3995,8 @@
                 <a:solidFill>
                   <a:schemeClr val="tx1"/>
                 </a:solidFill>
+                <a:latin typeface="Times New Roman" pitchFamily="18" charset="0"/>
+                <a:cs typeface="Times New Roman" pitchFamily="18" charset="0"/>
               </a:rPr>
               <a:t>bố</a:t>
             </a:r>
@@ -4258,574 +4004,12 @@
               <a:solidFill>
                 <a:schemeClr val="tx1"/>
               </a:solidFill>
+              <a:latin typeface="Times New Roman" pitchFamily="18" charset="0"/>
+              <a:cs typeface="Times New Roman" pitchFamily="18" charset="0"/>
             </a:endParaRPr>
           </a:p>
         </p:txBody>
       </p:sp>
-      <p:cxnSp>
-        <p:nvCxnSpPr>
-          <p:cNvPr id="18" name="Elbow Connector 17"/>
-          <p:cNvCxnSpPr>
-            <a:stCxn id="16" idx="3"/>
-          </p:cNvCxnSpPr>
-          <p:nvPr/>
-        </p:nvCxnSpPr>
-        <p:spPr>
-          <a:xfrm flipV="1">
-            <a:off x="4267200" y="2971800"/>
-            <a:ext cx="1219200" cy="1219200"/>
-          </a:xfrm>
-          <a:prstGeom prst="bentConnector2">
-            <a:avLst/>
-          </a:prstGeom>
-          <a:ln>
-            <a:tailEnd type="arrow"/>
-          </a:ln>
-        </p:spPr>
-        <p:style>
-          <a:lnRef idx="1">
-            <a:schemeClr val="accent1"/>
-          </a:lnRef>
-          <a:fillRef idx="0">
-            <a:schemeClr val="accent1"/>
-          </a:fillRef>
-          <a:effectRef idx="0">
-            <a:schemeClr val="accent1"/>
-          </a:effectRef>
-          <a:fontRef idx="minor">
-            <a:schemeClr val="tx1"/>
-          </a:fontRef>
-        </p:style>
-      </p:cxnSp>
-      <p:cxnSp>
-        <p:nvCxnSpPr>
-          <p:cNvPr id="22" name="Straight Arrow Connector 21"/>
-          <p:cNvCxnSpPr/>
-          <p:nvPr/>
-        </p:nvCxnSpPr>
-        <p:spPr>
-          <a:xfrm>
-            <a:off x="2438400" y="4191000"/>
-            <a:ext cx="457200" cy="1588"/>
-          </a:xfrm>
-          <a:prstGeom prst="straightConnector1">
-            <a:avLst/>
-          </a:prstGeom>
-          <a:ln>
-            <a:tailEnd type="arrow"/>
-          </a:ln>
-        </p:spPr>
-        <p:style>
-          <a:lnRef idx="1">
-            <a:schemeClr val="accent1"/>
-          </a:lnRef>
-          <a:fillRef idx="0">
-            <a:schemeClr val="accent1"/>
-          </a:fillRef>
-          <a:effectRef idx="0">
-            <a:schemeClr val="accent1"/>
-          </a:effectRef>
-          <a:fontRef idx="minor">
-            <a:schemeClr val="tx1"/>
-          </a:fontRef>
-        </p:style>
-      </p:cxnSp>
-      <p:sp>
-        <p:nvSpPr>
-          <p:cNvPr id="27" name="Rectangle 26"/>
-          <p:cNvSpPr/>
-          <p:nvPr/>
-        </p:nvSpPr>
-        <p:spPr>
-          <a:xfrm>
-            <a:off x="2895600" y="4572000"/>
-            <a:ext cx="1371600" cy="457200"/>
-          </a:xfrm>
-          <a:prstGeom prst="rect">
-            <a:avLst/>
-          </a:prstGeom>
-          <a:solidFill>
-            <a:schemeClr val="bg1"/>
-          </a:solidFill>
-        </p:spPr>
-        <p:style>
-          <a:lnRef idx="2">
-            <a:schemeClr val="accent1">
-              <a:shade val="50000"/>
-            </a:schemeClr>
-          </a:lnRef>
-          <a:fillRef idx="1">
-            <a:schemeClr val="accent1"/>
-          </a:fillRef>
-          <a:effectRef idx="0">
-            <a:schemeClr val="accent1"/>
-          </a:effectRef>
-          <a:fontRef idx="minor">
-            <a:schemeClr val="lt1"/>
-          </a:fontRef>
-        </p:style>
-        <p:txBody>
-          <a:bodyPr rtlCol="0" anchor="ctr"/>
-          <a:lstStyle/>
-          <a:p>
-            <a:pPr algn="ctr"/>
-            <a:r>
-              <a:rPr lang="en-US" sz="1400" b="1" dirty="0" err="1" smtClean="0">
-                <a:solidFill>
-                  <a:schemeClr val="tx1"/>
-                </a:solidFill>
-              </a:rPr>
-              <a:t>Năm</a:t>
-            </a:r>
-            <a:r>
-              <a:rPr lang="en-US" sz="1400" b="1" dirty="0" smtClean="0">
-                <a:solidFill>
-                  <a:schemeClr val="tx1"/>
-                </a:solidFill>
-              </a:rPr>
-              <a:t> </a:t>
-            </a:r>
-            <a:r>
-              <a:rPr lang="en-US" sz="1400" b="1" dirty="0" err="1" smtClean="0">
-                <a:solidFill>
-                  <a:schemeClr val="tx1"/>
-                </a:solidFill>
-              </a:rPr>
-              <a:t>công</a:t>
-            </a:r>
-            <a:r>
-              <a:rPr lang="en-US" sz="1400" b="1" dirty="0" smtClean="0">
-                <a:solidFill>
-                  <a:schemeClr val="tx1"/>
-                </a:solidFill>
-              </a:rPr>
-              <a:t> </a:t>
-            </a:r>
-            <a:r>
-              <a:rPr lang="en-US" sz="1400" b="1" dirty="0" err="1" smtClean="0">
-                <a:solidFill>
-                  <a:schemeClr val="tx1"/>
-                </a:solidFill>
-              </a:rPr>
-              <a:t>bố</a:t>
-            </a:r>
-            <a:endParaRPr lang="en-US" sz="1400" b="1" dirty="0">
-              <a:solidFill>
-                <a:schemeClr val="tx1"/>
-              </a:solidFill>
-            </a:endParaRPr>
-          </a:p>
-        </p:txBody>
-      </p:sp>
-      <p:cxnSp>
-        <p:nvCxnSpPr>
-          <p:cNvPr id="37" name="Straight Arrow Connector 36"/>
-          <p:cNvCxnSpPr/>
-          <p:nvPr/>
-        </p:nvCxnSpPr>
-        <p:spPr>
-          <a:xfrm>
-            <a:off x="2438400" y="4800600"/>
-            <a:ext cx="457200" cy="1588"/>
-          </a:xfrm>
-          <a:prstGeom prst="straightConnector1">
-            <a:avLst/>
-          </a:prstGeom>
-          <a:ln>
-            <a:tailEnd type="arrow"/>
-          </a:ln>
-        </p:spPr>
-        <p:style>
-          <a:lnRef idx="1">
-            <a:schemeClr val="accent1"/>
-          </a:lnRef>
-          <a:fillRef idx="0">
-            <a:schemeClr val="accent1"/>
-          </a:fillRef>
-          <a:effectRef idx="0">
-            <a:schemeClr val="accent1"/>
-          </a:effectRef>
-          <a:fontRef idx="minor">
-            <a:schemeClr val="tx1"/>
-          </a:fontRef>
-        </p:style>
-      </p:cxnSp>
-      <p:cxnSp>
-        <p:nvCxnSpPr>
-          <p:cNvPr id="39" name="Straight Arrow Connector 38"/>
-          <p:cNvCxnSpPr/>
-          <p:nvPr/>
-        </p:nvCxnSpPr>
-        <p:spPr>
-          <a:xfrm rot="5400000" flipH="1" flipV="1">
-            <a:off x="5334794" y="3886200"/>
-            <a:ext cx="1828006" cy="794"/>
-          </a:xfrm>
-          <a:prstGeom prst="straightConnector1">
-            <a:avLst/>
-          </a:prstGeom>
-          <a:ln>
-            <a:tailEnd type="arrow"/>
-          </a:ln>
-        </p:spPr>
-        <p:style>
-          <a:lnRef idx="1">
-            <a:schemeClr val="accent1"/>
-          </a:lnRef>
-          <a:fillRef idx="0">
-            <a:schemeClr val="accent1"/>
-          </a:fillRef>
-          <a:effectRef idx="0">
-            <a:schemeClr val="accent1"/>
-          </a:effectRef>
-          <a:fontRef idx="minor">
-            <a:schemeClr val="tx1"/>
-          </a:fontRef>
-        </p:style>
-      </p:cxnSp>
-      <p:cxnSp>
-        <p:nvCxnSpPr>
-          <p:cNvPr id="44" name="Straight Connector 43"/>
-          <p:cNvCxnSpPr>
-            <a:stCxn id="27" idx="3"/>
-          </p:cNvCxnSpPr>
-          <p:nvPr/>
-        </p:nvCxnSpPr>
-        <p:spPr>
-          <a:xfrm>
-            <a:off x="4267200" y="4800600"/>
-            <a:ext cx="1981200" cy="1588"/>
-          </a:xfrm>
-          <a:prstGeom prst="line">
-            <a:avLst/>
-          </a:prstGeom>
-        </p:spPr>
-        <p:style>
-          <a:lnRef idx="1">
-            <a:schemeClr val="accent1"/>
-          </a:lnRef>
-          <a:fillRef idx="0">
-            <a:schemeClr val="accent1"/>
-          </a:fillRef>
-          <a:effectRef idx="0">
-            <a:schemeClr val="accent1"/>
-          </a:effectRef>
-          <a:fontRef idx="minor">
-            <a:schemeClr val="tx1"/>
-          </a:fontRef>
-        </p:style>
-      </p:cxnSp>
-      <p:sp>
-        <p:nvSpPr>
-          <p:cNvPr id="54" name="Rectangle 53"/>
-          <p:cNvSpPr/>
-          <p:nvPr/>
-        </p:nvSpPr>
-        <p:spPr>
-          <a:xfrm>
-            <a:off x="2743200" y="762000"/>
-            <a:ext cx="1371600" cy="457200"/>
-          </a:xfrm>
-          <a:prstGeom prst="rect">
-            <a:avLst/>
-          </a:prstGeom>
-          <a:solidFill>
-            <a:schemeClr val="bg1"/>
-          </a:solidFill>
-        </p:spPr>
-        <p:style>
-          <a:lnRef idx="2">
-            <a:schemeClr val="accent1">
-              <a:shade val="50000"/>
-            </a:schemeClr>
-          </a:lnRef>
-          <a:fillRef idx="1">
-            <a:schemeClr val="accent1"/>
-          </a:fillRef>
-          <a:effectRef idx="0">
-            <a:schemeClr val="accent1"/>
-          </a:effectRef>
-          <a:fontRef idx="minor">
-            <a:schemeClr val="lt1"/>
-          </a:fontRef>
-        </p:style>
-        <p:txBody>
-          <a:bodyPr rtlCol="0" anchor="ctr"/>
-          <a:lstStyle/>
-          <a:p>
-            <a:pPr algn="ctr"/>
-            <a:r>
-              <a:rPr lang="en-US" sz="1400" b="1" dirty="0" err="1" smtClean="0">
-                <a:solidFill>
-                  <a:schemeClr val="tx1"/>
-                </a:solidFill>
-              </a:rPr>
-              <a:t>titleSingnature</a:t>
-            </a:r>
-            <a:endParaRPr lang="en-US" sz="1400" b="1" dirty="0">
-              <a:solidFill>
-                <a:schemeClr val="tx1"/>
-              </a:solidFill>
-            </a:endParaRPr>
-          </a:p>
-        </p:txBody>
-      </p:sp>
-      <p:sp>
-        <p:nvSpPr>
-          <p:cNvPr id="55" name="Rectangle 54"/>
-          <p:cNvSpPr/>
-          <p:nvPr/>
-        </p:nvSpPr>
-        <p:spPr>
-          <a:xfrm>
-            <a:off x="2743200" y="1295400"/>
-            <a:ext cx="1371600" cy="457200"/>
-          </a:xfrm>
-          <a:prstGeom prst="rect">
-            <a:avLst/>
-          </a:prstGeom>
-          <a:solidFill>
-            <a:schemeClr val="bg1"/>
-          </a:solidFill>
-        </p:spPr>
-        <p:style>
-          <a:lnRef idx="2">
-            <a:schemeClr val="accent1">
-              <a:shade val="50000"/>
-            </a:schemeClr>
-          </a:lnRef>
-          <a:fillRef idx="1">
-            <a:schemeClr val="accent1"/>
-          </a:fillRef>
-          <a:effectRef idx="0">
-            <a:schemeClr val="accent1"/>
-          </a:effectRef>
-          <a:fontRef idx="minor">
-            <a:schemeClr val="lt1"/>
-          </a:fontRef>
-        </p:style>
-        <p:txBody>
-          <a:bodyPr rtlCol="0" anchor="ctr"/>
-          <a:lstStyle/>
-          <a:p>
-            <a:pPr algn="ctr"/>
-            <a:r>
-              <a:rPr lang="en-US" sz="1400" b="1" dirty="0" err="1" smtClean="0">
-                <a:solidFill>
-                  <a:schemeClr val="tx1"/>
-                </a:solidFill>
-              </a:rPr>
-              <a:t>Năm</a:t>
-            </a:r>
-            <a:r>
-              <a:rPr lang="en-US" sz="1400" b="1" dirty="0" smtClean="0">
-                <a:solidFill>
-                  <a:schemeClr val="tx1"/>
-                </a:solidFill>
-              </a:rPr>
-              <a:t> </a:t>
-            </a:r>
-            <a:r>
-              <a:rPr lang="en-US" sz="1400" b="1" dirty="0" err="1" smtClean="0">
-                <a:solidFill>
-                  <a:schemeClr val="tx1"/>
-                </a:solidFill>
-              </a:rPr>
-              <a:t>công</a:t>
-            </a:r>
-            <a:r>
-              <a:rPr lang="en-US" sz="1400" b="1" dirty="0" smtClean="0">
-                <a:solidFill>
-                  <a:schemeClr val="tx1"/>
-                </a:solidFill>
-              </a:rPr>
-              <a:t> </a:t>
-            </a:r>
-            <a:r>
-              <a:rPr lang="en-US" sz="1400" b="1" dirty="0" err="1" smtClean="0">
-                <a:solidFill>
-                  <a:schemeClr val="tx1"/>
-                </a:solidFill>
-              </a:rPr>
-              <a:t>bố</a:t>
-            </a:r>
-            <a:endParaRPr lang="en-US" sz="1400" b="1" dirty="0">
-              <a:solidFill>
-                <a:schemeClr val="tx1"/>
-              </a:solidFill>
-            </a:endParaRPr>
-          </a:p>
-        </p:txBody>
-      </p:sp>
-      <p:sp>
-        <p:nvSpPr>
-          <p:cNvPr id="56" name="Rectangle 55"/>
-          <p:cNvSpPr/>
-          <p:nvPr/>
-        </p:nvSpPr>
-        <p:spPr>
-          <a:xfrm>
-            <a:off x="2743200" y="1905000"/>
-            <a:ext cx="1371600" cy="457200"/>
-          </a:xfrm>
-          <a:prstGeom prst="rect">
-            <a:avLst/>
-          </a:prstGeom>
-          <a:solidFill>
-            <a:schemeClr val="bg1"/>
-          </a:solidFill>
-        </p:spPr>
-        <p:style>
-          <a:lnRef idx="2">
-            <a:schemeClr val="accent1">
-              <a:shade val="50000"/>
-            </a:schemeClr>
-          </a:lnRef>
-          <a:fillRef idx="1">
-            <a:schemeClr val="accent1"/>
-          </a:fillRef>
-          <a:effectRef idx="0">
-            <a:schemeClr val="accent1"/>
-          </a:effectRef>
-          <a:fontRef idx="minor">
-            <a:schemeClr val="lt1"/>
-          </a:fontRef>
-        </p:style>
-        <p:txBody>
-          <a:bodyPr rtlCol="0" anchor="ctr"/>
-          <a:lstStyle/>
-          <a:p>
-            <a:pPr algn="ctr"/>
-            <a:r>
-              <a:rPr lang="en-US" sz="1400" b="1" dirty="0" err="1" smtClean="0">
-                <a:solidFill>
-                  <a:schemeClr val="tx1"/>
-                </a:solidFill>
-              </a:rPr>
-              <a:t>Tác</a:t>
-            </a:r>
-            <a:r>
-              <a:rPr lang="en-US" sz="1400" b="1" dirty="0" smtClean="0">
-                <a:solidFill>
-                  <a:schemeClr val="tx1"/>
-                </a:solidFill>
-              </a:rPr>
-              <a:t> </a:t>
-            </a:r>
-            <a:r>
-              <a:rPr lang="en-US" sz="1400" b="1" dirty="0" err="1" smtClean="0">
-                <a:solidFill>
-                  <a:schemeClr val="tx1"/>
-                </a:solidFill>
-              </a:rPr>
-              <a:t>giả</a:t>
-            </a:r>
-            <a:endParaRPr lang="en-US" sz="1400" b="1" dirty="0">
-              <a:solidFill>
-                <a:schemeClr val="tx1"/>
-              </a:solidFill>
-            </a:endParaRPr>
-          </a:p>
-        </p:txBody>
-      </p:sp>
-      <p:cxnSp>
-        <p:nvCxnSpPr>
-          <p:cNvPr id="69" name="Elbow Connector 68"/>
-          <p:cNvCxnSpPr/>
-          <p:nvPr/>
-        </p:nvCxnSpPr>
-        <p:spPr>
-          <a:xfrm>
-            <a:off x="4114800" y="1524000"/>
-            <a:ext cx="1409700" cy="609600"/>
-          </a:xfrm>
-          <a:prstGeom prst="bentConnector2">
-            <a:avLst/>
-          </a:prstGeom>
-          <a:ln>
-            <a:tailEnd type="arrow"/>
-          </a:ln>
-        </p:spPr>
-        <p:style>
-          <a:lnRef idx="1">
-            <a:schemeClr val="accent1"/>
-          </a:lnRef>
-          <a:fillRef idx="0">
-            <a:schemeClr val="accent1"/>
-          </a:fillRef>
-          <a:effectRef idx="0">
-            <a:schemeClr val="accent1"/>
-          </a:effectRef>
-          <a:fontRef idx="minor">
-            <a:schemeClr val="tx1"/>
-          </a:fontRef>
-        </p:style>
-      </p:cxnSp>
-      <p:cxnSp>
-        <p:nvCxnSpPr>
-          <p:cNvPr id="80" name="Straight Connector 79"/>
-          <p:cNvCxnSpPr>
-            <a:stCxn id="54" idx="3"/>
-          </p:cNvCxnSpPr>
-          <p:nvPr/>
-        </p:nvCxnSpPr>
-        <p:spPr>
-          <a:xfrm>
-            <a:off x="4114800" y="990600"/>
-            <a:ext cx="2133600" cy="1588"/>
-          </a:xfrm>
-          <a:prstGeom prst="line">
-            <a:avLst/>
-          </a:prstGeom>
-        </p:spPr>
-        <p:style>
-          <a:lnRef idx="1">
-            <a:schemeClr val="accent1"/>
-          </a:lnRef>
-          <a:fillRef idx="0">
-            <a:schemeClr val="accent1"/>
-          </a:fillRef>
-          <a:effectRef idx="0">
-            <a:schemeClr val="accent1"/>
-          </a:effectRef>
-          <a:fontRef idx="minor">
-            <a:schemeClr val="tx1"/>
-          </a:fontRef>
-        </p:style>
-      </p:cxnSp>
-      <p:cxnSp>
-        <p:nvCxnSpPr>
-          <p:cNvPr id="83" name="Straight Arrow Connector 82"/>
-          <p:cNvCxnSpPr/>
-          <p:nvPr/>
-        </p:nvCxnSpPr>
-        <p:spPr>
-          <a:xfrm rot="5400000">
-            <a:off x="5677694" y="1562100"/>
-            <a:ext cx="1142206" cy="794"/>
-          </a:xfrm>
-          <a:prstGeom prst="straightConnector1">
-            <a:avLst/>
-          </a:prstGeom>
-          <a:ln>
-            <a:tailEnd type="arrow"/>
-          </a:ln>
-        </p:spPr>
-        <p:style>
-          <a:lnRef idx="1">
-            <a:schemeClr val="accent1"/>
-          </a:lnRef>
-          <a:fillRef idx="0">
-            <a:schemeClr val="accent1"/>
-          </a:fillRef>
-          <a:effectRef idx="0">
-            <a:schemeClr val="accent1"/>
-          </a:effectRef>
-          <a:fontRef idx="minor">
-            <a:schemeClr val="tx1"/>
-          </a:fontRef>
-        </p:style>
-      </p:cxnSp>
       <p:cxnSp>
         <p:nvCxnSpPr>
           <p:cNvPr id="95" name="Straight Arrow Connector 94"/>
@@ -4834,7 +4018,7 @@
         </p:nvCxnSpPr>
         <p:spPr>
           <a:xfrm>
-            <a:off x="2057400" y="1524000"/>
+            <a:off x="1524000" y="2133600"/>
             <a:ext cx="609600" cy="1588"/>
           </a:xfrm>
           <a:prstGeom prst="straightConnector1">
@@ -4861,14 +4045,114 @@
       </p:cxnSp>
       <p:cxnSp>
         <p:nvCxnSpPr>
-          <p:cNvPr id="96" name="Straight Arrow Connector 95"/>
+          <p:cNvPr id="34" name="Elbow Connector 33"/>
+          <p:cNvCxnSpPr>
+            <a:stCxn id="9" idx="4"/>
+            <a:endCxn id="16" idx="3"/>
+          </p:cNvCxnSpPr>
+          <p:nvPr/>
+        </p:nvCxnSpPr>
+        <p:spPr>
+          <a:xfrm flipV="1">
+            <a:off x="5257800" y="2209800"/>
+            <a:ext cx="2057400" cy="3086100"/>
+          </a:xfrm>
+          <a:prstGeom prst="bentConnector3">
+            <a:avLst>
+              <a:gd name="adj1" fmla="val 111111"/>
+            </a:avLst>
+          </a:prstGeom>
+          <a:ln>
+            <a:tailEnd type="arrow"/>
+          </a:ln>
+        </p:spPr>
+        <p:style>
+          <a:lnRef idx="1">
+            <a:schemeClr val="accent1"/>
+          </a:lnRef>
+          <a:fillRef idx="0">
+            <a:schemeClr val="accent1"/>
+          </a:fillRef>
+          <a:effectRef idx="0">
+            <a:schemeClr val="accent1"/>
+          </a:effectRef>
+          <a:fontRef idx="minor">
+            <a:schemeClr val="tx1"/>
+          </a:fontRef>
+        </p:style>
+      </p:cxnSp>
+      <p:cxnSp>
+        <p:nvCxnSpPr>
+          <p:cNvPr id="57" name="Straight Connector 56"/>
           <p:cNvCxnSpPr/>
           <p:nvPr/>
         </p:nvCxnSpPr>
         <p:spPr>
           <a:xfrm>
-            <a:off x="2057400" y="2133600"/>
-            <a:ext cx="609600" cy="1588"/>
+            <a:off x="5257800" y="5791200"/>
+            <a:ext cx="2971800" cy="0"/>
+          </a:xfrm>
+          <a:prstGeom prst="line">
+            <a:avLst/>
+          </a:prstGeom>
+        </p:spPr>
+        <p:style>
+          <a:lnRef idx="1">
+            <a:schemeClr val="accent1"/>
+          </a:lnRef>
+          <a:fillRef idx="0">
+            <a:schemeClr val="accent1"/>
+          </a:fillRef>
+          <a:effectRef idx="0">
+            <a:schemeClr val="accent1"/>
+          </a:effectRef>
+          <a:fontRef idx="minor">
+            <a:schemeClr val="tx1"/>
+          </a:fontRef>
+        </p:style>
+      </p:cxnSp>
+      <p:cxnSp>
+        <p:nvCxnSpPr>
+          <p:cNvPr id="60" name="Straight Connector 59"/>
+          <p:cNvCxnSpPr/>
+          <p:nvPr/>
+        </p:nvCxnSpPr>
+        <p:spPr>
+          <a:xfrm rot="5400000">
+            <a:off x="6134100" y="3695700"/>
+            <a:ext cx="4191000" cy="0"/>
+          </a:xfrm>
+          <a:prstGeom prst="line">
+            <a:avLst/>
+          </a:prstGeom>
+        </p:spPr>
+        <p:style>
+          <a:lnRef idx="1">
+            <a:schemeClr val="accent1"/>
+          </a:lnRef>
+          <a:fillRef idx="0">
+            <a:schemeClr val="accent1"/>
+          </a:fillRef>
+          <a:effectRef idx="0">
+            <a:schemeClr val="accent1"/>
+          </a:effectRef>
+          <a:fontRef idx="minor">
+            <a:schemeClr val="tx1"/>
+          </a:fontRef>
+        </p:style>
+      </p:cxnSp>
+      <p:cxnSp>
+        <p:nvCxnSpPr>
+          <p:cNvPr id="63" name="Straight Arrow Connector 62"/>
+          <p:cNvCxnSpPr>
+            <a:endCxn id="11" idx="3"/>
+          </p:cNvCxnSpPr>
+          <p:nvPr/>
+        </p:nvCxnSpPr>
+        <p:spPr>
+          <a:xfrm rot="10800000">
+            <a:off x="7315200" y="1600200"/>
+            <a:ext cx="914400" cy="1588"/>
           </a:xfrm>
           <a:prstGeom prst="straightConnector1">
             <a:avLst/>
@@ -4892,6 +4176,341 @@
           </a:fontRef>
         </p:style>
       </p:cxnSp>
+      <p:cxnSp>
+        <p:nvCxnSpPr>
+          <p:cNvPr id="73" name="Straight Connector 72"/>
+          <p:cNvCxnSpPr>
+            <a:stCxn id="11" idx="1"/>
+          </p:cNvCxnSpPr>
+          <p:nvPr/>
+        </p:nvCxnSpPr>
+        <p:spPr>
+          <a:xfrm rot="10800000">
+            <a:off x="5029200" y="1600200"/>
+            <a:ext cx="914400" cy="0"/>
+          </a:xfrm>
+          <a:prstGeom prst="line">
+            <a:avLst/>
+          </a:prstGeom>
+        </p:spPr>
+        <p:style>
+          <a:lnRef idx="1">
+            <a:schemeClr val="accent1"/>
+          </a:lnRef>
+          <a:fillRef idx="0">
+            <a:schemeClr val="accent1"/>
+          </a:fillRef>
+          <a:effectRef idx="0">
+            <a:schemeClr val="accent1"/>
+          </a:effectRef>
+          <a:fontRef idx="minor">
+            <a:schemeClr val="tx1"/>
+          </a:fontRef>
+        </p:style>
+      </p:cxnSp>
+      <p:cxnSp>
+        <p:nvCxnSpPr>
+          <p:cNvPr id="74" name="Straight Connector 73"/>
+          <p:cNvCxnSpPr/>
+          <p:nvPr/>
+        </p:nvCxnSpPr>
+        <p:spPr>
+          <a:xfrm rot="10800000">
+            <a:off x="5334000" y="2133600"/>
+            <a:ext cx="609600" cy="0"/>
+          </a:xfrm>
+          <a:prstGeom prst="line">
+            <a:avLst/>
+          </a:prstGeom>
+        </p:spPr>
+        <p:style>
+          <a:lnRef idx="1">
+            <a:schemeClr val="accent1"/>
+          </a:lnRef>
+          <a:fillRef idx="0">
+            <a:schemeClr val="accent1"/>
+          </a:fillRef>
+          <a:effectRef idx="0">
+            <a:schemeClr val="accent1"/>
+          </a:effectRef>
+          <a:fontRef idx="minor">
+            <a:schemeClr val="tx1"/>
+          </a:fontRef>
+        </p:style>
+      </p:cxnSp>
+      <p:cxnSp>
+        <p:nvCxnSpPr>
+          <p:cNvPr id="77" name="Straight Arrow Connector 76"/>
+          <p:cNvCxnSpPr/>
+          <p:nvPr/>
+        </p:nvCxnSpPr>
+        <p:spPr>
+          <a:xfrm rot="5400000">
+            <a:off x="4991100" y="2476500"/>
+            <a:ext cx="685800" cy="1588"/>
+          </a:xfrm>
+          <a:prstGeom prst="straightConnector1">
+            <a:avLst/>
+          </a:prstGeom>
+          <a:ln>
+            <a:tailEnd type="arrow"/>
+          </a:ln>
+        </p:spPr>
+        <p:style>
+          <a:lnRef idx="1">
+            <a:schemeClr val="accent1"/>
+          </a:lnRef>
+          <a:fillRef idx="0">
+            <a:schemeClr val="accent1"/>
+          </a:fillRef>
+          <a:effectRef idx="0">
+            <a:schemeClr val="accent1"/>
+          </a:effectRef>
+          <a:fontRef idx="minor">
+            <a:schemeClr val="tx1"/>
+          </a:fontRef>
+        </p:style>
+      </p:cxnSp>
+      <p:cxnSp>
+        <p:nvCxnSpPr>
+          <p:cNvPr id="79" name="Straight Arrow Connector 78"/>
+          <p:cNvCxnSpPr/>
+          <p:nvPr/>
+        </p:nvCxnSpPr>
+        <p:spPr>
+          <a:xfrm rot="5400000">
+            <a:off x="4419600" y="2209800"/>
+            <a:ext cx="1219200" cy="1588"/>
+          </a:xfrm>
+          <a:prstGeom prst="straightConnector1">
+            <a:avLst/>
+          </a:prstGeom>
+          <a:ln>
+            <a:tailEnd type="arrow"/>
+          </a:ln>
+        </p:spPr>
+        <p:style>
+          <a:lnRef idx="1">
+            <a:schemeClr val="accent1"/>
+          </a:lnRef>
+          <a:fillRef idx="0">
+            <a:schemeClr val="accent1"/>
+          </a:fillRef>
+          <a:effectRef idx="0">
+            <a:schemeClr val="accent1"/>
+          </a:effectRef>
+          <a:fontRef idx="minor">
+            <a:schemeClr val="tx1"/>
+          </a:fontRef>
+        </p:style>
+      </p:cxnSp>
+      <p:cxnSp>
+        <p:nvCxnSpPr>
+          <p:cNvPr id="85" name="Straight Connector 84"/>
+          <p:cNvCxnSpPr/>
+          <p:nvPr/>
+        </p:nvCxnSpPr>
+        <p:spPr>
+          <a:xfrm rot="10800000">
+            <a:off x="3581400" y="1600200"/>
+            <a:ext cx="914400" cy="0"/>
+          </a:xfrm>
+          <a:prstGeom prst="line">
+            <a:avLst/>
+          </a:prstGeom>
+        </p:spPr>
+        <p:style>
+          <a:lnRef idx="1">
+            <a:schemeClr val="accent1"/>
+          </a:lnRef>
+          <a:fillRef idx="0">
+            <a:schemeClr val="accent1"/>
+          </a:fillRef>
+          <a:effectRef idx="0">
+            <a:schemeClr val="accent1"/>
+          </a:effectRef>
+          <a:fontRef idx="minor">
+            <a:schemeClr val="tx1"/>
+          </a:fontRef>
+        </p:style>
+      </p:cxnSp>
+      <p:cxnSp>
+        <p:nvCxnSpPr>
+          <p:cNvPr id="86" name="Straight Connector 85"/>
+          <p:cNvCxnSpPr/>
+          <p:nvPr/>
+        </p:nvCxnSpPr>
+        <p:spPr>
+          <a:xfrm rot="10800000">
+            <a:off x="3581400" y="2133600"/>
+            <a:ext cx="609600" cy="0"/>
+          </a:xfrm>
+          <a:prstGeom prst="line">
+            <a:avLst/>
+          </a:prstGeom>
+        </p:spPr>
+        <p:style>
+          <a:lnRef idx="1">
+            <a:schemeClr val="accent1"/>
+          </a:lnRef>
+          <a:fillRef idx="0">
+            <a:schemeClr val="accent1"/>
+          </a:fillRef>
+          <a:effectRef idx="0">
+            <a:schemeClr val="accent1"/>
+          </a:effectRef>
+          <a:fontRef idx="minor">
+            <a:schemeClr val="tx1"/>
+          </a:fontRef>
+        </p:style>
+      </p:cxnSp>
+      <p:cxnSp>
+        <p:nvCxnSpPr>
+          <p:cNvPr id="87" name="Straight Arrow Connector 86"/>
+          <p:cNvCxnSpPr/>
+          <p:nvPr/>
+        </p:nvCxnSpPr>
+        <p:spPr>
+          <a:xfrm rot="5400000">
+            <a:off x="3886994" y="2209006"/>
+            <a:ext cx="1219200" cy="1588"/>
+          </a:xfrm>
+          <a:prstGeom prst="straightConnector1">
+            <a:avLst/>
+          </a:prstGeom>
+          <a:ln>
+            <a:tailEnd type="arrow"/>
+          </a:ln>
+        </p:spPr>
+        <p:style>
+          <a:lnRef idx="1">
+            <a:schemeClr val="accent1"/>
+          </a:lnRef>
+          <a:fillRef idx="0">
+            <a:schemeClr val="accent1"/>
+          </a:fillRef>
+          <a:effectRef idx="0">
+            <a:schemeClr val="accent1"/>
+          </a:effectRef>
+          <a:fontRef idx="minor">
+            <a:schemeClr val="tx1"/>
+          </a:fontRef>
+        </p:style>
+      </p:cxnSp>
+      <p:cxnSp>
+        <p:nvCxnSpPr>
+          <p:cNvPr id="88" name="Straight Arrow Connector 87"/>
+          <p:cNvCxnSpPr/>
+          <p:nvPr/>
+        </p:nvCxnSpPr>
+        <p:spPr>
+          <a:xfrm rot="5400000">
+            <a:off x="3848894" y="2475706"/>
+            <a:ext cx="685800" cy="1588"/>
+          </a:xfrm>
+          <a:prstGeom prst="straightConnector1">
+            <a:avLst/>
+          </a:prstGeom>
+          <a:ln>
+            <a:tailEnd type="arrow"/>
+          </a:ln>
+        </p:spPr>
+        <p:style>
+          <a:lnRef idx="1">
+            <a:schemeClr val="accent1"/>
+          </a:lnRef>
+          <a:fillRef idx="0">
+            <a:schemeClr val="accent1"/>
+          </a:fillRef>
+          <a:effectRef idx="0">
+            <a:schemeClr val="accent1"/>
+          </a:effectRef>
+          <a:fontRef idx="minor">
+            <a:schemeClr val="tx1"/>
+          </a:fontRef>
+        </p:style>
+      </p:cxnSp>
+      <p:cxnSp>
+        <p:nvCxnSpPr>
+          <p:cNvPr id="92" name="Straight Arrow Connector 91"/>
+          <p:cNvCxnSpPr>
+            <a:stCxn id="17" idx="2"/>
+          </p:cNvCxnSpPr>
+          <p:nvPr/>
+        </p:nvCxnSpPr>
+        <p:spPr>
+          <a:xfrm rot="5400000">
+            <a:off x="4191000" y="4114800"/>
+            <a:ext cx="914400" cy="1588"/>
+          </a:xfrm>
+          <a:prstGeom prst="straightConnector1">
+            <a:avLst/>
+          </a:prstGeom>
+          <a:ln>
+            <a:tailEnd type="arrow"/>
+          </a:ln>
+        </p:spPr>
+        <p:style>
+          <a:lnRef idx="1">
+            <a:schemeClr val="accent1"/>
+          </a:lnRef>
+          <a:fillRef idx="0">
+            <a:schemeClr val="accent1"/>
+          </a:fillRef>
+          <a:effectRef idx="0">
+            <a:schemeClr val="accent1"/>
+          </a:effectRef>
+          <a:fontRef idx="minor">
+            <a:schemeClr val="tx1"/>
+          </a:fontRef>
+        </p:style>
+      </p:cxnSp>
+      <p:sp>
+        <p:nvSpPr>
+          <p:cNvPr id="93" name="TextBox 92"/>
+          <p:cNvSpPr txBox="1"/>
+          <p:nvPr/>
+        </p:nvSpPr>
+        <p:spPr>
+          <a:xfrm>
+            <a:off x="4800600" y="3810000"/>
+            <a:ext cx="1303562" cy="369332"/>
+          </a:xfrm>
+          <a:prstGeom prst="rect">
+            <a:avLst/>
+          </a:prstGeom>
+          <a:noFill/>
+        </p:spPr>
+        <p:txBody>
+          <a:bodyPr wrap="none" rtlCol="0">
+            <a:spAutoFit/>
+          </a:bodyPr>
+          <a:lstStyle/>
+          <a:p>
+            <a:r>
+              <a:rPr lang="en-US" dirty="0" err="1" smtClean="0"/>
+              <a:t>Bài</a:t>
+            </a:r>
+            <a:r>
+              <a:rPr lang="en-US" dirty="0" smtClean="0"/>
+              <a:t> </a:t>
+            </a:r>
+            <a:r>
+              <a:rPr lang="en-US" dirty="0" err="1" smtClean="0"/>
+              <a:t>báo</a:t>
+            </a:r>
+            <a:r>
+              <a:rPr lang="en-US" dirty="0" smtClean="0"/>
+              <a:t> </a:t>
+            </a:r>
+            <a:r>
+              <a:rPr lang="en-US" dirty="0" err="1" smtClean="0"/>
+              <a:t>mới</a:t>
+            </a:r>
+            <a:endParaRPr lang="en-US" dirty="0"/>
+          </a:p>
+        </p:txBody>
+      </p:sp>
     </p:spTree>
   </p:cSld>
   <p:clrMapOvr>
